--- a/Внутреннее позиционирование.pptx
+++ b/Внутреннее позиционирование.pptx
@@ -5,18 +5,23 @@
     <p:sldMasterId id="2147483696" r:id="rId1"/>
   </p:sldMasterIdLst>
   <p:notesMasterIdLst>
-    <p:notesMasterId r:id="rId11"/>
+    <p:notesMasterId r:id="rId16"/>
   </p:notesMasterIdLst>
   <p:sldIdLst>
     <p:sldId id="256" r:id="rId2"/>
     <p:sldId id="258" r:id="rId3"/>
-    <p:sldId id="257" r:id="rId4"/>
-    <p:sldId id="259" r:id="rId5"/>
-    <p:sldId id="266" r:id="rId6"/>
+    <p:sldId id="259" r:id="rId4"/>
+    <p:sldId id="266" r:id="rId5"/>
+    <p:sldId id="268" r:id="rId6"/>
     <p:sldId id="261" r:id="rId7"/>
     <p:sldId id="263" r:id="rId8"/>
-    <p:sldId id="267" r:id="rId9"/>
-    <p:sldId id="260" r:id="rId10"/>
+    <p:sldId id="269" r:id="rId9"/>
+    <p:sldId id="270" r:id="rId10"/>
+    <p:sldId id="271" r:id="rId11"/>
+    <p:sldId id="272" r:id="rId12"/>
+    <p:sldId id="273" r:id="rId13"/>
+    <p:sldId id="267" r:id="rId14"/>
+    <p:sldId id="260" r:id="rId15"/>
   </p:sldIdLst>
   <p:sldSz cx="9144000" cy="6858000" type="screen4x3"/>
   <p:notesSz cx="6858000" cy="9144000"/>
@@ -201,7 +206,7 @@
             <a:fld id="{486053E4-7CA1-4527-B952-263DD813CD7F}" type="datetimeFigureOut">
               <a:rPr lang="ru-RU" smtClean="0"/>
               <a:pPr/>
-              <a:t>22.05.2017</a:t>
+              <a:t>31.05.2017</a:t>
             </a:fld>
             <a:endParaRPr lang="ru-RU"/>
           </a:p>
@@ -573,6 +578,573 @@
 </p:notes>
 </file>
 
+<file path=ppt/notesSlides/notesSlide10.xml><?xml version="1.0" encoding="utf-8"?>
+<p:notes xmlns:a="http://schemas.openxmlformats.org/drawingml/2006/main" xmlns:r="http://schemas.openxmlformats.org/officeDocument/2006/relationships" xmlns:p="http://schemas.openxmlformats.org/presentationml/2006/main">
+  <p:cSld>
+    <p:spTree>
+      <p:nvGrpSpPr>
+        <p:cNvPr id="1" name=""/>
+        <p:cNvGrpSpPr/>
+        <p:nvPr/>
+      </p:nvGrpSpPr>
+      <p:grpSpPr>
+        <a:xfrm>
+          <a:off x="0" y="0"/>
+          <a:ext cx="0" cy="0"/>
+          <a:chOff x="0" y="0"/>
+          <a:chExt cx="0" cy="0"/>
+        </a:xfrm>
+      </p:grpSpPr>
+      <p:sp>
+        <p:nvSpPr>
+          <p:cNvPr id="2" name="Образ слайда 1"/>
+          <p:cNvSpPr>
+            <a:spLocks noGrp="1" noRot="1" noChangeAspect="1"/>
+          </p:cNvSpPr>
+          <p:nvPr>
+            <p:ph type="sldImg"/>
+          </p:nvPr>
+        </p:nvSpPr>
+        <p:spPr/>
+      </p:sp>
+      <p:sp>
+        <p:nvSpPr>
+          <p:cNvPr id="3" name="Заметки 2"/>
+          <p:cNvSpPr>
+            <a:spLocks noGrp="1"/>
+          </p:cNvSpPr>
+          <p:nvPr>
+            <p:ph type="body" idx="1"/>
+          </p:nvPr>
+        </p:nvSpPr>
+        <p:spPr/>
+        <p:txBody>
+          <a:bodyPr>
+            <a:normAutofit/>
+          </a:bodyPr>
+          <a:lstStyle/>
+          <a:p>
+            <a:endParaRPr lang="ru-RU" dirty="0"/>
+          </a:p>
+        </p:txBody>
+      </p:sp>
+      <p:sp>
+        <p:nvSpPr>
+          <p:cNvPr id="4" name="Номер слайда 3"/>
+          <p:cNvSpPr>
+            <a:spLocks noGrp="1"/>
+          </p:cNvSpPr>
+          <p:nvPr>
+            <p:ph type="sldNum" sz="quarter" idx="10"/>
+          </p:nvPr>
+        </p:nvSpPr>
+        <p:spPr/>
+        <p:txBody>
+          <a:bodyPr/>
+          <a:lstStyle/>
+          <a:p>
+            <a:fld id="{64121356-F010-4A35-A014-A42D67984B31}" type="slidenum">
+              <a:rPr lang="ru-RU" smtClean="0"/>
+              <a:pPr/>
+              <a:t>10</a:t>
+            </a:fld>
+            <a:endParaRPr lang="ru-RU"/>
+          </a:p>
+        </p:txBody>
+      </p:sp>
+    </p:spTree>
+  </p:cSld>
+  <p:clrMapOvr>
+    <a:masterClrMapping/>
+  </p:clrMapOvr>
+</p:notes>
+</file>
+
+<file path=ppt/notesSlides/notesSlide11.xml><?xml version="1.0" encoding="utf-8"?>
+<p:notes xmlns:a="http://schemas.openxmlformats.org/drawingml/2006/main" xmlns:r="http://schemas.openxmlformats.org/officeDocument/2006/relationships" xmlns:p="http://schemas.openxmlformats.org/presentationml/2006/main">
+  <p:cSld>
+    <p:spTree>
+      <p:nvGrpSpPr>
+        <p:cNvPr id="1" name=""/>
+        <p:cNvGrpSpPr/>
+        <p:nvPr/>
+      </p:nvGrpSpPr>
+      <p:grpSpPr>
+        <a:xfrm>
+          <a:off x="0" y="0"/>
+          <a:ext cx="0" cy="0"/>
+          <a:chOff x="0" y="0"/>
+          <a:chExt cx="0" cy="0"/>
+        </a:xfrm>
+      </p:grpSpPr>
+      <p:sp>
+        <p:nvSpPr>
+          <p:cNvPr id="2" name="Образ слайда 1"/>
+          <p:cNvSpPr>
+            <a:spLocks noGrp="1" noRot="1" noChangeAspect="1"/>
+          </p:cNvSpPr>
+          <p:nvPr>
+            <p:ph type="sldImg"/>
+          </p:nvPr>
+        </p:nvSpPr>
+        <p:spPr/>
+      </p:sp>
+      <p:sp>
+        <p:nvSpPr>
+          <p:cNvPr id="3" name="Заметки 2"/>
+          <p:cNvSpPr>
+            <a:spLocks noGrp="1"/>
+          </p:cNvSpPr>
+          <p:nvPr>
+            <p:ph type="body" idx="1"/>
+          </p:nvPr>
+        </p:nvSpPr>
+        <p:spPr/>
+        <p:txBody>
+          <a:bodyPr>
+            <a:normAutofit/>
+          </a:bodyPr>
+          <a:lstStyle/>
+          <a:p>
+            <a:endParaRPr lang="ru-RU" dirty="0"/>
+          </a:p>
+        </p:txBody>
+      </p:sp>
+      <p:sp>
+        <p:nvSpPr>
+          <p:cNvPr id="4" name="Номер слайда 3"/>
+          <p:cNvSpPr>
+            <a:spLocks noGrp="1"/>
+          </p:cNvSpPr>
+          <p:nvPr>
+            <p:ph type="sldNum" sz="quarter" idx="10"/>
+          </p:nvPr>
+        </p:nvSpPr>
+        <p:spPr/>
+        <p:txBody>
+          <a:bodyPr/>
+          <a:lstStyle/>
+          <a:p>
+            <a:fld id="{64121356-F010-4A35-A014-A42D67984B31}" type="slidenum">
+              <a:rPr lang="ru-RU" smtClean="0"/>
+              <a:pPr/>
+              <a:t>11</a:t>
+            </a:fld>
+            <a:endParaRPr lang="ru-RU"/>
+          </a:p>
+        </p:txBody>
+      </p:sp>
+    </p:spTree>
+  </p:cSld>
+  <p:clrMapOvr>
+    <a:masterClrMapping/>
+  </p:clrMapOvr>
+</p:notes>
+</file>
+
+<file path=ppt/notesSlides/notesSlide12.xml><?xml version="1.0" encoding="utf-8"?>
+<p:notes xmlns:a="http://schemas.openxmlformats.org/drawingml/2006/main" xmlns:r="http://schemas.openxmlformats.org/officeDocument/2006/relationships" xmlns:p="http://schemas.openxmlformats.org/presentationml/2006/main">
+  <p:cSld>
+    <p:spTree>
+      <p:nvGrpSpPr>
+        <p:cNvPr id="1" name=""/>
+        <p:cNvGrpSpPr/>
+        <p:nvPr/>
+      </p:nvGrpSpPr>
+      <p:grpSpPr>
+        <a:xfrm>
+          <a:off x="0" y="0"/>
+          <a:ext cx="0" cy="0"/>
+          <a:chOff x="0" y="0"/>
+          <a:chExt cx="0" cy="0"/>
+        </a:xfrm>
+      </p:grpSpPr>
+      <p:sp>
+        <p:nvSpPr>
+          <p:cNvPr id="2" name="Образ слайда 1"/>
+          <p:cNvSpPr>
+            <a:spLocks noGrp="1" noRot="1" noChangeAspect="1"/>
+          </p:cNvSpPr>
+          <p:nvPr>
+            <p:ph type="sldImg"/>
+          </p:nvPr>
+        </p:nvSpPr>
+        <p:spPr/>
+      </p:sp>
+      <p:sp>
+        <p:nvSpPr>
+          <p:cNvPr id="3" name="Заметки 2"/>
+          <p:cNvSpPr>
+            <a:spLocks noGrp="1"/>
+          </p:cNvSpPr>
+          <p:nvPr>
+            <p:ph type="body" idx="1"/>
+          </p:nvPr>
+        </p:nvSpPr>
+        <p:spPr/>
+        <p:txBody>
+          <a:bodyPr>
+            <a:normAutofit/>
+          </a:bodyPr>
+          <a:lstStyle/>
+          <a:p>
+            <a:endParaRPr lang="ru-RU" dirty="0"/>
+          </a:p>
+        </p:txBody>
+      </p:sp>
+      <p:sp>
+        <p:nvSpPr>
+          <p:cNvPr id="4" name="Номер слайда 3"/>
+          <p:cNvSpPr>
+            <a:spLocks noGrp="1"/>
+          </p:cNvSpPr>
+          <p:nvPr>
+            <p:ph type="sldNum" sz="quarter" idx="10"/>
+          </p:nvPr>
+        </p:nvSpPr>
+        <p:spPr/>
+        <p:txBody>
+          <a:bodyPr/>
+          <a:lstStyle/>
+          <a:p>
+            <a:fld id="{64121356-F010-4A35-A014-A42D67984B31}" type="slidenum">
+              <a:rPr lang="ru-RU" smtClean="0"/>
+              <a:pPr/>
+              <a:t>12</a:t>
+            </a:fld>
+            <a:endParaRPr lang="ru-RU"/>
+          </a:p>
+        </p:txBody>
+      </p:sp>
+    </p:spTree>
+  </p:cSld>
+  <p:clrMapOvr>
+    <a:masterClrMapping/>
+  </p:clrMapOvr>
+</p:notes>
+</file>
+
+<file path=ppt/notesSlides/notesSlide13.xml><?xml version="1.0" encoding="utf-8"?>
+<p:notes xmlns:a="http://schemas.openxmlformats.org/drawingml/2006/main" xmlns:r="http://schemas.openxmlformats.org/officeDocument/2006/relationships" xmlns:p="http://schemas.openxmlformats.org/presentationml/2006/main">
+  <p:cSld>
+    <p:spTree>
+      <p:nvGrpSpPr>
+        <p:cNvPr id="1" name=""/>
+        <p:cNvGrpSpPr/>
+        <p:nvPr/>
+      </p:nvGrpSpPr>
+      <p:grpSpPr>
+        <a:xfrm>
+          <a:off x="0" y="0"/>
+          <a:ext cx="0" cy="0"/>
+          <a:chOff x="0" y="0"/>
+          <a:chExt cx="0" cy="0"/>
+        </a:xfrm>
+      </p:grpSpPr>
+      <p:sp>
+        <p:nvSpPr>
+          <p:cNvPr id="2" name="Образ слайда 1"/>
+          <p:cNvSpPr>
+            <a:spLocks noGrp="1" noRot="1" noChangeAspect="1"/>
+          </p:cNvSpPr>
+          <p:nvPr>
+            <p:ph type="sldImg"/>
+          </p:nvPr>
+        </p:nvSpPr>
+        <p:spPr/>
+      </p:sp>
+      <p:sp>
+        <p:nvSpPr>
+          <p:cNvPr id="3" name="Заметки 2"/>
+          <p:cNvSpPr>
+            <a:spLocks noGrp="1"/>
+          </p:cNvSpPr>
+          <p:nvPr>
+            <p:ph type="body" idx="1"/>
+          </p:nvPr>
+        </p:nvSpPr>
+        <p:spPr/>
+        <p:txBody>
+          <a:bodyPr>
+            <a:normAutofit/>
+          </a:bodyPr>
+          <a:lstStyle/>
+          <a:p>
+            <a:pPr marL="0" marR="0" indent="0" algn="l" defTabSz="914400" rtl="0" eaLnBrk="1" fontAlgn="auto" latinLnBrk="0" hangingPunct="1">
+              <a:lnSpc>
+                <a:spcPct val="100000"/>
+              </a:lnSpc>
+              <a:spcBef>
+                <a:spcPts val="0"/>
+              </a:spcBef>
+              <a:spcAft>
+                <a:spcPts val="0"/>
+              </a:spcAft>
+              <a:buClrTx/>
+              <a:buSzTx/>
+              <a:buFontTx/>
+              <a:buNone/>
+              <a:tabLst/>
+              <a:defRPr/>
+            </a:pPr>
+            <a:r>
+              <a:rPr lang="ru-RU" baseline="0" dirty="0" smtClean="0"/>
+              <a:t>Очевидно, что использовать приоритетность данных удобнее, когда данных много. А значит при увеличении количества роутеров – увеличивается точность расчета положения в пространстве.</a:t>
+            </a:r>
+            <a:endParaRPr lang="ru-RU" dirty="0" smtClean="0"/>
+          </a:p>
+          <a:p>
+            <a:endParaRPr lang="ru-RU" dirty="0" smtClean="0"/>
+          </a:p>
+          <a:p>
+            <a:r>
+              <a:rPr lang="ru-RU" dirty="0" smtClean="0"/>
+              <a:t>Кроме присвоения весов для полученных данных со</a:t>
+            </a:r>
+            <a:r>
+              <a:rPr lang="ru-RU" baseline="0" dirty="0" smtClean="0"/>
+              <a:t> строго определенных роутеров, которые использует пользователь, можно использовать данные с окружающих роутеров, местоположение которых точно не известно, но к которым можно определить приблизительное направление, использование которых немного улучшит итоговый результат расчета местоположения.</a:t>
+            </a:r>
+          </a:p>
+        </p:txBody>
+      </p:sp>
+      <p:sp>
+        <p:nvSpPr>
+          <p:cNvPr id="4" name="Номер слайда 3"/>
+          <p:cNvSpPr>
+            <a:spLocks noGrp="1"/>
+          </p:cNvSpPr>
+          <p:nvPr>
+            <p:ph type="sldNum" sz="quarter" idx="10"/>
+          </p:nvPr>
+        </p:nvSpPr>
+        <p:spPr/>
+        <p:txBody>
+          <a:bodyPr/>
+          <a:lstStyle/>
+          <a:p>
+            <a:fld id="{64121356-F010-4A35-A014-A42D67984B31}" type="slidenum">
+              <a:rPr lang="ru-RU" smtClean="0"/>
+              <a:pPr/>
+              <a:t>13</a:t>
+            </a:fld>
+            <a:endParaRPr lang="ru-RU"/>
+          </a:p>
+        </p:txBody>
+      </p:sp>
+    </p:spTree>
+  </p:cSld>
+  <p:clrMapOvr>
+    <a:masterClrMapping/>
+  </p:clrMapOvr>
+</p:notes>
+</file>
+
+<file path=ppt/notesSlides/notesSlide14.xml><?xml version="1.0" encoding="utf-8"?>
+<p:notes xmlns:a="http://schemas.openxmlformats.org/drawingml/2006/main" xmlns:r="http://schemas.openxmlformats.org/officeDocument/2006/relationships" xmlns:p="http://schemas.openxmlformats.org/presentationml/2006/main">
+  <p:cSld>
+    <p:spTree>
+      <p:nvGrpSpPr>
+        <p:cNvPr id="1" name=""/>
+        <p:cNvGrpSpPr/>
+        <p:nvPr/>
+      </p:nvGrpSpPr>
+      <p:grpSpPr>
+        <a:xfrm>
+          <a:off x="0" y="0"/>
+          <a:ext cx="0" cy="0"/>
+          <a:chOff x="0" y="0"/>
+          <a:chExt cx="0" cy="0"/>
+        </a:xfrm>
+      </p:grpSpPr>
+      <p:sp>
+        <p:nvSpPr>
+          <p:cNvPr id="2" name="Образ слайда 1"/>
+          <p:cNvSpPr>
+            <a:spLocks noGrp="1" noRot="1" noChangeAspect="1"/>
+          </p:cNvSpPr>
+          <p:nvPr>
+            <p:ph type="sldImg"/>
+          </p:nvPr>
+        </p:nvSpPr>
+        <p:spPr/>
+      </p:sp>
+      <p:sp>
+        <p:nvSpPr>
+          <p:cNvPr id="3" name="Заметки 2"/>
+          <p:cNvSpPr>
+            <a:spLocks noGrp="1"/>
+          </p:cNvSpPr>
+          <p:nvPr>
+            <p:ph type="body" idx="1"/>
+          </p:nvPr>
+        </p:nvSpPr>
+        <p:spPr/>
+        <p:txBody>
+          <a:bodyPr>
+            <a:normAutofit/>
+          </a:bodyPr>
+          <a:lstStyle/>
+          <a:p>
+            <a:r>
+              <a:rPr lang="ru-RU" dirty="0" smtClean="0"/>
+              <a:t>В данное время проблема внутреннего позиционирования широко распространена, и каждый ищет вариант её решения. Однако стоит помнить о средствах, которыми каждый располагает.</a:t>
+            </a:r>
+          </a:p>
+          <a:p>
+            <a:r>
+              <a:rPr lang="ru-RU" dirty="0" smtClean="0"/>
+              <a:t>Одни используя ультразвук добиваются хорошей точности в 2 сантиметра. Другие используя</a:t>
+            </a:r>
+            <a:r>
+              <a:rPr lang="ru-RU" baseline="0" dirty="0" smtClean="0"/>
+              <a:t> множество антенн направленных в разные стороны и высчитывая угол прихода сигнала получают высокую точность даже при использовании </a:t>
+            </a:r>
+            <a:r>
+              <a:rPr lang="en-US" baseline="0" dirty="0" smtClean="0"/>
+              <a:t>Wi-Fi</a:t>
+            </a:r>
+            <a:r>
+              <a:rPr lang="ru-RU" baseline="0" dirty="0" smtClean="0"/>
+              <a:t>.</a:t>
+            </a:r>
+          </a:p>
+          <a:p>
+            <a:r>
+              <a:rPr lang="ru-RU" baseline="0" dirty="0" smtClean="0"/>
+              <a:t>В нашем же случае рассматривается: на сколько высокую точность можно получить, используя лишь обычный смартфон. Ведь чтобы приложение стало популярным – оно должно быть простым и не особо дорогим. И именно такой подход нужен при написании приложения для экскурсий.</a:t>
+            </a:r>
+          </a:p>
+          <a:p>
+            <a:pPr marL="0" marR="0" indent="0" algn="l" defTabSz="914400" rtl="0" eaLnBrk="1" fontAlgn="auto" latinLnBrk="0" hangingPunct="1">
+              <a:lnSpc>
+                <a:spcPct val="100000"/>
+              </a:lnSpc>
+              <a:spcBef>
+                <a:spcPts val="0"/>
+              </a:spcBef>
+              <a:spcAft>
+                <a:spcPts val="0"/>
+              </a:spcAft>
+              <a:buClrTx/>
+              <a:buSzTx/>
+              <a:buFontTx/>
+              <a:buNone/>
+              <a:tabLst/>
+              <a:defRPr/>
+            </a:pPr>
+            <a:r>
+              <a:rPr lang="ru-RU" sz="1200" kern="1200" dirty="0" smtClean="0">
+                <a:solidFill>
+                  <a:schemeClr val="tx1"/>
+                </a:solidFill>
+                <a:latin typeface="+mn-lt"/>
+                <a:ea typeface="+mn-ea"/>
+                <a:cs typeface="+mn-cs"/>
+              </a:rPr>
+              <a:t>Эта работа попадает под</a:t>
+            </a:r>
+            <a:r>
+              <a:rPr lang="ru-RU" sz="1200" kern="1200" baseline="0" dirty="0" smtClean="0">
+                <a:solidFill>
+                  <a:schemeClr val="tx1"/>
+                </a:solidFill>
+                <a:latin typeface="+mn-lt"/>
+                <a:ea typeface="+mn-ea"/>
+                <a:cs typeface="+mn-cs"/>
+              </a:rPr>
+              <a:t> условия гранта, в</a:t>
+            </a:r>
+            <a:r>
+              <a:rPr lang="ru-RU" sz="1200" kern="1200" dirty="0" smtClean="0">
+                <a:solidFill>
+                  <a:schemeClr val="tx1"/>
+                </a:solidFill>
+                <a:latin typeface="+mn-lt"/>
+                <a:ea typeface="+mn-ea"/>
+                <a:cs typeface="+mn-cs"/>
+              </a:rPr>
+              <a:t> рамках</a:t>
+            </a:r>
+            <a:r>
+              <a:rPr lang="ru-RU" sz="1200" kern="1200" baseline="0" dirty="0" smtClean="0">
+                <a:solidFill>
+                  <a:schemeClr val="tx1"/>
+                </a:solidFill>
+                <a:latin typeface="+mn-lt"/>
+                <a:ea typeface="+mn-ea"/>
+                <a:cs typeface="+mn-cs"/>
+              </a:rPr>
+              <a:t> которого</a:t>
+            </a:r>
+            <a:r>
+              <a:rPr lang="ru-RU" sz="1200" kern="1200" dirty="0" smtClean="0">
+                <a:solidFill>
+                  <a:schemeClr val="tx1"/>
+                </a:solidFill>
+                <a:latin typeface="+mn-lt"/>
+                <a:ea typeface="+mn-ea"/>
+                <a:cs typeface="+mn-cs"/>
+              </a:rPr>
+              <a:t> предполагается продолжение данной работы с добавлением остальных комнат данного архитектурного комплекса, что в итоге выльется в полноценную экскурсию по всему архитектурному сооружению </a:t>
+            </a:r>
+            <a:r>
+              <a:rPr lang="ru-RU" sz="1200" kern="1200" dirty="0" err="1" smtClean="0">
+                <a:solidFill>
+                  <a:schemeClr val="tx1"/>
+                </a:solidFill>
+                <a:latin typeface="+mn-lt"/>
+                <a:ea typeface="+mn-ea"/>
+                <a:cs typeface="+mn-cs"/>
+              </a:rPr>
+              <a:t>Феодоровского</a:t>
+            </a:r>
+            <a:r>
+              <a:rPr lang="ru-RU" sz="1200" kern="1200" dirty="0" smtClean="0">
+                <a:solidFill>
+                  <a:schemeClr val="tx1"/>
+                </a:solidFill>
+                <a:latin typeface="+mn-lt"/>
+                <a:ea typeface="+mn-ea"/>
+                <a:cs typeface="+mn-cs"/>
+              </a:rPr>
+              <a:t> городка.</a:t>
+            </a:r>
+          </a:p>
+        </p:txBody>
+      </p:sp>
+      <p:sp>
+        <p:nvSpPr>
+          <p:cNvPr id="4" name="Номер слайда 3"/>
+          <p:cNvSpPr>
+            <a:spLocks noGrp="1"/>
+          </p:cNvSpPr>
+          <p:nvPr>
+            <p:ph type="sldNum" sz="quarter" idx="10"/>
+          </p:nvPr>
+        </p:nvSpPr>
+        <p:spPr/>
+        <p:txBody>
+          <a:bodyPr/>
+          <a:lstStyle/>
+          <a:p>
+            <a:fld id="{64121356-F010-4A35-A014-A42D67984B31}" type="slidenum">
+              <a:rPr lang="ru-RU" smtClean="0"/>
+              <a:pPr/>
+              <a:t>14</a:t>
+            </a:fld>
+            <a:endParaRPr lang="ru-RU"/>
+          </a:p>
+        </p:txBody>
+      </p:sp>
+    </p:spTree>
+  </p:cSld>
+  <p:clrMapOvr>
+    <a:masterClrMapping/>
+  </p:clrMapOvr>
+</p:notes>
+</file>
+
 <file path=ppt/notesSlides/notesSlide2.xml><?xml version="1.0" encoding="utf-8"?>
 <p:notes xmlns:a="http://schemas.openxmlformats.org/drawingml/2006/main" xmlns:r="http://schemas.openxmlformats.org/officeDocument/2006/relationships" xmlns:p="http://schemas.openxmlformats.org/presentationml/2006/main">
   <p:cSld>
@@ -621,16 +1193,12 @@
           <a:p>
             <a:r>
               <a:rPr lang="ru-RU" dirty="0" smtClean="0"/>
-              <a:t>Что же такое виртуальная и дополненная реальности, и чем они отличаются?</a:t>
-            </a:r>
-          </a:p>
-          <a:p>
+              <a:t>Виртуальная </a:t>
+            </a:r>
             <a:r>
               <a:rPr lang="ru-RU" dirty="0" smtClean="0"/>
-              <a:t>Виртуальная реальность – созданный техническими средствами мир, передаваемый человеку через его ощущения, чаще всего это зрение и слух. </a:t>
-            </a:r>
-          </a:p>
-          <a:p>
+              <a:t>реальность – созданный техническими средствами мир, передаваемый человеку через его ощущения, чаще всего это зрение и слух. </a:t>
+            </a:r>
             <a:r>
               <a:rPr lang="ru-RU" dirty="0" smtClean="0">
                 <a:solidFill>
@@ -645,15 +1213,52 @@
                   <a:srgbClr val="FF0000"/>
                 </a:solidFill>
               </a:rPr>
-              <a:t>т того, как именно реализована виртуальная реальность, и как она преподносится пользователю, зависит насколько сильно будет погружению во внутреннюю атмосферу.</a:t>
+              <a:t>т </a:t>
+            </a:r>
+            <a:r>
+              <a:rPr lang="ru-RU" baseline="0" dirty="0" smtClean="0">
+                <a:solidFill>
+                  <a:srgbClr val="FF0000"/>
+                </a:solidFill>
+              </a:rPr>
+              <a:t>того, как именно реализована виртуальная реальность, и как она преподносится пользователю, зависит насколько сильно будет погружению во внутреннюю </a:t>
+            </a:r>
+            <a:r>
+              <a:rPr lang="ru-RU" baseline="0" dirty="0" smtClean="0">
+                <a:solidFill>
+                  <a:srgbClr val="FF0000"/>
+                </a:solidFill>
+              </a:rPr>
+              <a:t>атмосферу.</a:t>
             </a:r>
           </a:p>
           <a:p>
             <a:r>
               <a:rPr lang="ru-RU" dirty="0" smtClean="0"/>
-              <a:t>Не следует путать виртуальную реальность с дополненной реальностью. Их коренное различие в том, что виртуальная реальность конструирует новый мир, когда дополнительная реальность лишь вносит отдельные элементы в восприятие реального мира.</a:t>
-            </a:r>
-            <a:endParaRPr lang="ru-RU" dirty="0"/>
+              <a:t>Виртуальная реконструкция же это нарисованная дизайнерами 3</a:t>
+            </a:r>
+            <a:r>
+              <a:rPr lang="en-US" dirty="0" smtClean="0"/>
+              <a:t>D</a:t>
+            </a:r>
+            <a:r>
+              <a:rPr lang="ru-RU" dirty="0" smtClean="0"/>
+              <a:t> модель, максимально соответствующая некоторому реальному объекту.</a:t>
+            </a:r>
+          </a:p>
+          <a:p>
+            <a:r>
+              <a:rPr lang="ru-RU" dirty="0" smtClean="0"/>
+              <a:t>На второй картинке приведена виртуальная реконструкция трапезной палаты </a:t>
+            </a:r>
+            <a:r>
+              <a:rPr lang="ru-RU" dirty="0" err="1" smtClean="0"/>
+              <a:t>Феодоровского</a:t>
+            </a:r>
+            <a:r>
+              <a:rPr lang="ru-RU" dirty="0" smtClean="0"/>
+              <a:t> городка в Царском селе. Именно она и используется в данной дипломной работе.</a:t>
+            </a:r>
           </a:p>
         </p:txBody>
       </p:sp>
@@ -737,41 +1342,130 @@
           <a:p>
             <a:r>
               <a:rPr lang="ru-RU" dirty="0" smtClean="0"/>
-              <a:t>Что такое виртуальная реконструкция?</a:t>
-            </a:r>
-          </a:p>
-          <a:p>
+              <a:t>Если соединить виртуальную реальность и виртуальную реконструкцию, то </a:t>
+            </a:r>
             <a:r>
               <a:rPr lang="ru-RU" dirty="0" smtClean="0"/>
-              <a:t>Допустим некоторое историческое место находится под угрозой разрушения, а физическая реконструкция не выгодна экономически или по каким-то другим причинам.</a:t>
-            </a:r>
-          </a:p>
-          <a:p>
+              <a:t>получим приложение</a:t>
+            </a:r>
             <a:r>
               <a:rPr lang="ru-RU" dirty="0" smtClean="0"/>
-              <a:t>Тогда за дело берутся дизайнеры и рисуют в точности то же самое место в специальных приложениях, после чего получается та самая виртуальная реконструкция максимально</a:t>
-            </a:r>
-            <a:r>
-              <a:rPr lang="ru-RU" baseline="0" dirty="0" smtClean="0"/>
-              <a:t> </a:t>
+              <a:t>, которое проведет экскурсию в любые места, в которые мы не можем попасть сами</a:t>
             </a:r>
             <a:r>
               <a:rPr lang="ru-RU" dirty="0" smtClean="0"/>
-              <a:t>совпадающее с реальным объектом.</a:t>
-            </a:r>
-          </a:p>
-          <a:p>
-            <a:r>
-              <a:rPr lang="ru-RU" dirty="0" smtClean="0"/>
-              <a:t>На картинках ниже приведена виртуальная реконструкция трапезной палаты </a:t>
-            </a:r>
-            <a:r>
-              <a:rPr lang="ru-RU" dirty="0" err="1" smtClean="0"/>
-              <a:t>Феодоровского</a:t>
-            </a:r>
-            <a:r>
-              <a:rPr lang="ru-RU" dirty="0" smtClean="0"/>
-              <a:t> городка в Царском селе. Именно она и используется далее в дипломной работе.</a:t>
+              <a:t>. Для </a:t>
+            </a:r>
+            <a:r>
+              <a:rPr lang="ru-RU" sz="1200" kern="1200" dirty="0" smtClean="0">
+                <a:solidFill>
+                  <a:schemeClr val="tx1"/>
+                </a:solidFill>
+                <a:latin typeface="+mn-lt"/>
+                <a:ea typeface="+mn-ea"/>
+                <a:cs typeface="+mn-cs"/>
+              </a:rPr>
+              <a:t>частичного </a:t>
+            </a:r>
+            <a:r>
+              <a:rPr lang="ru-RU" sz="1200" kern="1200" dirty="0" smtClean="0">
+                <a:solidFill>
+                  <a:schemeClr val="tx1"/>
+                </a:solidFill>
+                <a:latin typeface="+mn-lt"/>
+                <a:ea typeface="+mn-ea"/>
+                <a:cs typeface="+mn-cs"/>
+              </a:rPr>
+              <a:t>погружения человека в </a:t>
+            </a:r>
+            <a:r>
+              <a:rPr lang="ru-RU" sz="1200" kern="1200" dirty="0" smtClean="0">
+                <a:solidFill>
+                  <a:schemeClr val="tx1"/>
+                </a:solidFill>
+                <a:latin typeface="+mn-lt"/>
+                <a:ea typeface="+mn-ea"/>
+                <a:cs typeface="+mn-cs"/>
+              </a:rPr>
+              <a:t>виртуальную реальность достаточно </a:t>
+            </a:r>
+            <a:r>
+              <a:rPr lang="ru-RU" sz="1200" kern="1200" dirty="0" smtClean="0">
+                <a:solidFill>
+                  <a:schemeClr val="tx1"/>
+                </a:solidFill>
+                <a:latin typeface="+mn-lt"/>
+                <a:ea typeface="+mn-ea"/>
+                <a:cs typeface="+mn-cs"/>
+              </a:rPr>
+              <a:t>согласовать движение виртуальной камеры и устройства</a:t>
+            </a:r>
+            <a:r>
+              <a:rPr lang="ru-RU" sz="1200" kern="1200" dirty="0" smtClean="0">
+                <a:solidFill>
+                  <a:schemeClr val="tx1"/>
+                </a:solidFill>
+                <a:latin typeface="+mn-lt"/>
+                <a:ea typeface="+mn-ea"/>
+                <a:cs typeface="+mn-cs"/>
+              </a:rPr>
+              <a:t>.</a:t>
+            </a:r>
+          </a:p>
+          <a:p>
+            <a:endParaRPr lang="ru-RU" sz="1200" kern="1200" dirty="0" smtClean="0">
+              <a:solidFill>
+                <a:schemeClr val="tx1"/>
+              </a:solidFill>
+              <a:latin typeface="+mn-lt"/>
+              <a:ea typeface="+mn-ea"/>
+              <a:cs typeface="+mn-cs"/>
+            </a:endParaRPr>
+          </a:p>
+          <a:p>
+            <a:r>
+              <a:rPr lang="ru-RU" sz="1200" kern="1200" dirty="0" smtClean="0">
+                <a:solidFill>
+                  <a:schemeClr val="tx1"/>
+                </a:solidFill>
+                <a:latin typeface="+mn-lt"/>
+                <a:ea typeface="+mn-ea"/>
+                <a:cs typeface="+mn-cs"/>
+              </a:rPr>
+              <a:t>Изначально в качестве работы планировалось только реализовать приложение на основе виртуальной реальности для Гранта, но потом было решено дополнительно провести исследовательскую работу по оценке возможностей точного позиционирования помощью </a:t>
+            </a:r>
+            <a:r>
+              <a:rPr lang="en-US" sz="1200" kern="1200" dirty="0" smtClean="0">
+                <a:solidFill>
+                  <a:schemeClr val="tx1"/>
+                </a:solidFill>
+                <a:latin typeface="+mn-lt"/>
+                <a:ea typeface="+mn-ea"/>
+                <a:cs typeface="+mn-cs"/>
+              </a:rPr>
+              <a:t>Wi-Fi </a:t>
+            </a:r>
+            <a:r>
+              <a:rPr lang="ru-RU" sz="1200" kern="1200" dirty="0" smtClean="0">
+                <a:solidFill>
+                  <a:schemeClr val="tx1"/>
+                </a:solidFill>
+                <a:latin typeface="+mn-lt"/>
+                <a:ea typeface="+mn-ea"/>
+                <a:cs typeface="+mn-cs"/>
+              </a:rPr>
+              <a:t>и результатов применения алгоритмов</a:t>
+            </a:r>
+            <a:r>
+              <a:rPr lang="ru-RU" sz="1200" kern="1200" baseline="0" dirty="0" smtClean="0">
+                <a:solidFill>
+                  <a:schemeClr val="tx1"/>
+                </a:solidFill>
+                <a:latin typeface="+mn-lt"/>
+                <a:ea typeface="+mn-ea"/>
+                <a:cs typeface="+mn-cs"/>
+              </a:rPr>
+              <a:t> фильтрации к ним.</a:t>
             </a:r>
             <a:endParaRPr lang="ru-RU" dirty="0"/>
           </a:p>
@@ -857,10 +1551,42 @@
           <a:p>
             <a:r>
               <a:rPr lang="ru-RU" dirty="0" smtClean="0"/>
-              <a:t>Если соединить виртуальную реальность и виртуальную реконструкцию, то можно получить замечательное приложение, которое проведет экскурсию в любые места, в которые мы не можем попасть сами.</a:t>
-            </a:r>
-          </a:p>
-          <a:p>
+              <a:t>Здесь</a:t>
+            </a:r>
+            <a:r>
+              <a:rPr lang="ru-RU" baseline="0" dirty="0" smtClean="0"/>
+              <a:t> можно рассказать много, но затронем только самое главное:</a:t>
+            </a:r>
+          </a:p>
+          <a:p>
+            <a:endParaRPr lang="ru-RU" baseline="0" dirty="0" smtClean="0"/>
+          </a:p>
+          <a:p>
+            <a:pPr marL="0" marR="0" indent="0" algn="l" defTabSz="914400" rtl="0" eaLnBrk="1" fontAlgn="auto" latinLnBrk="0" hangingPunct="1">
+              <a:lnSpc>
+                <a:spcPct val="100000"/>
+              </a:lnSpc>
+              <a:spcBef>
+                <a:spcPts val="0"/>
+              </a:spcBef>
+              <a:spcAft>
+                <a:spcPts val="0"/>
+              </a:spcAft>
+              <a:buClrTx/>
+              <a:buSzTx/>
+              <a:buFontTx/>
+              <a:buNone/>
+              <a:tabLst/>
+              <a:defRPr/>
+            </a:pPr>
+            <a:r>
+              <a:rPr lang="en-US" baseline="0" dirty="0" smtClean="0"/>
+              <a:t>GPS –</a:t>
+            </a:r>
+            <a:r>
+              <a:rPr lang="ru-RU" baseline="0" dirty="0" smtClean="0"/>
+              <a:t> система </a:t>
+            </a:r>
             <a:r>
               <a:rPr lang="ru-RU" sz="1200" kern="1200" dirty="0" smtClean="0">
                 <a:solidFill>
@@ -870,20 +1596,484 @@
                 <a:ea typeface="+mn-ea"/>
                 <a:cs typeface="+mn-cs"/>
               </a:rPr>
-              <a:t>В большинстве случаев для реализации виртуальной реальности и частичного погружения человека в нее достаточно согласовать движение виртуальной камеры и устройства.</a:t>
-            </a:r>
-            <a:endParaRPr lang="ru-RU" dirty="0" smtClean="0"/>
-          </a:p>
-          <a:p>
+              <a:t>глобального позиционирования. </a:t>
+            </a:r>
+            <a:r>
+              <a:rPr lang="ru-RU" sz="1200" kern="1200" dirty="0" smtClean="0">
+                <a:solidFill>
+                  <a:schemeClr val="tx1"/>
+                </a:solidFill>
+                <a:latin typeface="+mn-lt"/>
+                <a:ea typeface="+mn-ea"/>
+                <a:cs typeface="+mn-cs"/>
+              </a:rPr>
+              <a:t>Не </a:t>
+            </a:r>
+            <a:r>
+              <a:rPr lang="ru-RU" sz="1200" kern="1200" dirty="0" smtClean="0">
+                <a:solidFill>
+                  <a:schemeClr val="tx1"/>
+                </a:solidFill>
+                <a:latin typeface="+mn-lt"/>
+                <a:ea typeface="+mn-ea"/>
+                <a:cs typeface="+mn-cs"/>
+              </a:rPr>
+              <a:t>работает, если спутников не видно. Можно отдельно приобретать ретрансляторы, но их стоимость оставляет желать лучшего. </a:t>
+            </a:r>
+            <a:endParaRPr lang="en-US" baseline="0" dirty="0" smtClean="0"/>
+          </a:p>
+          <a:p>
+            <a:r>
+              <a:rPr lang="ru-RU" baseline="0" dirty="0" smtClean="0"/>
+              <a:t>Позиционирование по сотовым сетям - </a:t>
+            </a:r>
+            <a:r>
+              <a:rPr lang="ru-RU" sz="1200" kern="1200" dirty="0" smtClean="0">
+                <a:solidFill>
+                  <a:schemeClr val="tx1"/>
+                </a:solidFill>
+                <a:latin typeface="+mn-lt"/>
+                <a:ea typeface="+mn-ea"/>
+                <a:cs typeface="+mn-cs"/>
+              </a:rPr>
+              <a:t>точность </a:t>
+            </a:r>
+            <a:r>
+              <a:rPr lang="ru-RU" sz="1200" kern="1200" dirty="0" smtClean="0">
+                <a:solidFill>
+                  <a:schemeClr val="tx1"/>
+                </a:solidFill>
+                <a:latin typeface="+mn-lt"/>
+                <a:ea typeface="+mn-ea"/>
+                <a:cs typeface="+mn-cs"/>
+              </a:rPr>
+              <a:t>еще </a:t>
+            </a:r>
+            <a:r>
+              <a:rPr lang="ru-RU" sz="1200" kern="1200" dirty="0" smtClean="0">
+                <a:solidFill>
+                  <a:schemeClr val="tx1"/>
+                </a:solidFill>
+                <a:latin typeface="+mn-lt"/>
+                <a:ea typeface="+mn-ea"/>
+                <a:cs typeface="+mn-cs"/>
+              </a:rPr>
+              <a:t>ниже, чем у </a:t>
+            </a:r>
+            <a:r>
+              <a:rPr lang="en-US" sz="1200" kern="1200" dirty="0" smtClean="0">
+                <a:solidFill>
+                  <a:schemeClr val="tx1"/>
+                </a:solidFill>
+                <a:latin typeface="+mn-lt"/>
+                <a:ea typeface="+mn-ea"/>
+                <a:cs typeface="+mn-cs"/>
+              </a:rPr>
+              <a:t>GPS</a:t>
+            </a:r>
+            <a:r>
+              <a:rPr lang="ru-RU" sz="1200" kern="1200" dirty="0" smtClean="0">
+                <a:solidFill>
+                  <a:schemeClr val="tx1"/>
+                </a:solidFill>
+                <a:latin typeface="+mn-lt"/>
+                <a:ea typeface="+mn-ea"/>
+                <a:cs typeface="+mn-cs"/>
+              </a:rPr>
+              <a:t>.</a:t>
+            </a:r>
+            <a:endParaRPr lang="ru-RU" baseline="0" dirty="0" smtClean="0"/>
+          </a:p>
+          <a:p>
+            <a:r>
+              <a:rPr lang="ru-RU" baseline="0" dirty="0" smtClean="0"/>
+              <a:t>Инерциальные системы </a:t>
+            </a:r>
+            <a:r>
+              <a:rPr lang="ru-RU" baseline="0" dirty="0" smtClean="0"/>
+              <a:t>– </a:t>
+            </a:r>
+            <a:r>
+              <a:rPr lang="ru-RU" sz="1200" kern="1200" dirty="0" smtClean="0">
+                <a:solidFill>
+                  <a:schemeClr val="tx1"/>
+                </a:solidFill>
+                <a:latin typeface="+mn-lt"/>
+                <a:ea typeface="+mn-ea"/>
+                <a:cs typeface="+mn-cs"/>
+              </a:rPr>
+              <a:t>работает при помощи гироскопов </a:t>
+            </a:r>
+            <a:r>
+              <a:rPr lang="ru-RU" sz="1200" kern="1200" dirty="0" smtClean="0">
+                <a:solidFill>
+                  <a:schemeClr val="tx1"/>
+                </a:solidFill>
+                <a:latin typeface="+mn-lt"/>
+                <a:ea typeface="+mn-ea"/>
+                <a:cs typeface="+mn-cs"/>
+              </a:rPr>
+              <a:t>и акселерометров смартфона. Однако в нашем случае они используются для поворотов виртуальной камеры</a:t>
+            </a:r>
+            <a:r>
+              <a:rPr lang="ru-RU" sz="1200" kern="1200" dirty="0" smtClean="0">
+                <a:solidFill>
+                  <a:schemeClr val="tx1"/>
+                </a:solidFill>
+                <a:latin typeface="+mn-lt"/>
+                <a:ea typeface="+mn-ea"/>
+                <a:cs typeface="+mn-cs"/>
+              </a:rPr>
+              <a:t>.</a:t>
+            </a:r>
+            <a:endParaRPr lang="ru-RU" baseline="0" dirty="0" smtClean="0"/>
+          </a:p>
+          <a:p>
+            <a:r>
+              <a:rPr lang="en-US" baseline="0" dirty="0" smtClean="0"/>
+              <a:t>Wi-Fi</a:t>
+            </a:r>
+            <a:r>
+              <a:rPr lang="ru-RU" baseline="0" dirty="0" smtClean="0"/>
+              <a:t> </a:t>
+            </a:r>
+            <a:r>
+              <a:rPr lang="ru-RU" baseline="0" dirty="0" smtClean="0"/>
+              <a:t>– </a:t>
+            </a:r>
+            <a:r>
+              <a:rPr lang="ru-RU" sz="1200" kern="1200" dirty="0" smtClean="0">
+                <a:solidFill>
+                  <a:schemeClr val="tx1"/>
+                </a:solidFill>
+                <a:latin typeface="+mn-lt"/>
+                <a:ea typeface="+mn-ea"/>
+                <a:cs typeface="+mn-cs"/>
+              </a:rPr>
+              <a:t>Присутствует на </a:t>
+            </a:r>
+            <a:r>
+              <a:rPr lang="ru-RU" sz="1200" kern="1200" dirty="0" err="1" smtClean="0">
+                <a:solidFill>
+                  <a:schemeClr val="tx1"/>
+                </a:solidFill>
+                <a:latin typeface="+mn-lt"/>
+                <a:ea typeface="+mn-ea"/>
+                <a:cs typeface="+mn-cs"/>
+              </a:rPr>
+              <a:t>смарфонах</a:t>
+            </a:r>
+            <a:r>
+              <a:rPr lang="ru-RU" sz="1200" kern="1200" dirty="0" smtClean="0">
+                <a:solidFill>
+                  <a:schemeClr val="tx1"/>
+                </a:solidFill>
+                <a:latin typeface="+mn-lt"/>
+                <a:ea typeface="+mn-ea"/>
+                <a:cs typeface="+mn-cs"/>
+              </a:rPr>
+              <a:t>. Позволяет добиться неплохой</a:t>
+            </a:r>
+            <a:r>
+              <a:rPr lang="ru-RU" sz="1200" kern="1200" baseline="0" dirty="0" smtClean="0">
+                <a:solidFill>
+                  <a:schemeClr val="tx1"/>
+                </a:solidFill>
+                <a:latin typeface="+mn-lt"/>
+                <a:ea typeface="+mn-ea"/>
+                <a:cs typeface="+mn-cs"/>
+              </a:rPr>
+              <a:t> </a:t>
+            </a:r>
+            <a:r>
+              <a:rPr lang="ru-RU" sz="1200" kern="1200" dirty="0" smtClean="0">
+                <a:solidFill>
+                  <a:schemeClr val="tx1"/>
+                </a:solidFill>
+                <a:latin typeface="+mn-lt"/>
+                <a:ea typeface="+mn-ea"/>
+                <a:cs typeface="+mn-cs"/>
+              </a:rPr>
+              <a:t>точности.</a:t>
+            </a:r>
+            <a:endParaRPr lang="ru-RU" sz="1200" kern="1200" dirty="0" smtClean="0">
+              <a:solidFill>
+                <a:schemeClr val="tx1"/>
+              </a:solidFill>
+              <a:latin typeface="+mn-lt"/>
+              <a:ea typeface="+mn-ea"/>
+              <a:cs typeface="+mn-cs"/>
+            </a:endParaRPr>
+          </a:p>
+          <a:p>
+            <a:pPr marL="0" marR="0" indent="0" algn="l" defTabSz="914400" rtl="0" eaLnBrk="1" fontAlgn="auto" latinLnBrk="0" hangingPunct="1">
+              <a:lnSpc>
+                <a:spcPct val="100000"/>
+              </a:lnSpc>
+              <a:spcBef>
+                <a:spcPts val="0"/>
+              </a:spcBef>
+              <a:spcAft>
+                <a:spcPts val="0"/>
+              </a:spcAft>
+              <a:buClrTx/>
+              <a:buSzTx/>
+              <a:buFontTx/>
+              <a:buNone/>
+              <a:tabLst/>
+              <a:defRPr/>
+            </a:pPr>
+            <a:r>
+              <a:rPr lang="ru-RU" sz="1200" kern="1200" baseline="0" dirty="0" smtClean="0">
+                <a:solidFill>
+                  <a:schemeClr val="tx1"/>
+                </a:solidFill>
+                <a:latin typeface="+mn-lt"/>
+                <a:ea typeface="+mn-ea"/>
+                <a:cs typeface="+mn-cs"/>
+              </a:rPr>
+              <a:t>Оптика </a:t>
+            </a:r>
+            <a:r>
+              <a:rPr lang="ru-RU" sz="1200" kern="1200" baseline="0" dirty="0" smtClean="0">
+                <a:solidFill>
+                  <a:schemeClr val="tx1"/>
+                </a:solidFill>
+                <a:latin typeface="+mn-lt"/>
+                <a:ea typeface="+mn-ea"/>
+                <a:cs typeface="+mn-cs"/>
+              </a:rPr>
+              <a:t>– </a:t>
+            </a:r>
+            <a:r>
+              <a:rPr lang="ru-RU" sz="1200" kern="1200" dirty="0" smtClean="0">
+                <a:solidFill>
+                  <a:schemeClr val="tx1"/>
+                </a:solidFill>
+                <a:latin typeface="+mn-lt"/>
+                <a:ea typeface="+mn-ea"/>
+                <a:cs typeface="+mn-cs"/>
+              </a:rPr>
+              <a:t>Сложная для реализации технология</a:t>
+            </a:r>
+            <a:r>
+              <a:rPr lang="ru-RU" sz="1200" kern="1200" baseline="0" dirty="0" smtClean="0">
+                <a:solidFill>
+                  <a:schemeClr val="tx1"/>
+                </a:solidFill>
+                <a:latin typeface="+mn-lt"/>
+                <a:ea typeface="+mn-ea"/>
+                <a:cs typeface="+mn-cs"/>
+              </a:rPr>
+              <a:t>. Возможно </a:t>
+            </a:r>
+            <a:r>
+              <a:rPr lang="ru-RU" sz="1200" kern="1200" baseline="0" dirty="0" smtClean="0">
+                <a:solidFill>
+                  <a:schemeClr val="tx1"/>
+                </a:solidFill>
+                <a:latin typeface="+mn-lt"/>
+                <a:ea typeface="+mn-ea"/>
+                <a:cs typeface="+mn-cs"/>
+              </a:rPr>
+              <a:t>удобно использовать вместе с технологией дополненной реальности.</a:t>
+            </a:r>
+            <a:endParaRPr lang="ru-RU" baseline="0" dirty="0" smtClean="0"/>
+          </a:p>
+          <a:p>
+            <a:r>
+              <a:rPr lang="ru-RU" baseline="0" dirty="0" err="1" smtClean="0"/>
+              <a:t>Лидар</a:t>
+            </a:r>
+            <a:r>
+              <a:rPr lang="ru-RU" baseline="0" dirty="0" smtClean="0"/>
+              <a:t> - </a:t>
+            </a:r>
+            <a:r>
+              <a:rPr lang="ru-RU" sz="1200" kern="1200" baseline="0" dirty="0" smtClean="0">
+                <a:solidFill>
+                  <a:schemeClr val="tx1"/>
+                </a:solidFill>
+                <a:latin typeface="+mn-lt"/>
+                <a:ea typeface="+mn-ea"/>
+                <a:cs typeface="+mn-cs"/>
+              </a:rPr>
+              <a:t>безумно</a:t>
+            </a:r>
+            <a:r>
+              <a:rPr lang="ru-RU" sz="1200" kern="1200" dirty="0" smtClean="0">
+                <a:solidFill>
+                  <a:schemeClr val="tx1"/>
+                </a:solidFill>
+                <a:latin typeface="+mn-lt"/>
+                <a:ea typeface="+mn-ea"/>
+                <a:cs typeface="+mn-cs"/>
+              </a:rPr>
+              <a:t> </a:t>
+            </a:r>
+            <a:r>
+              <a:rPr lang="ru-RU" sz="1200" kern="1200" dirty="0" smtClean="0">
+                <a:solidFill>
+                  <a:schemeClr val="tx1"/>
+                </a:solidFill>
+                <a:latin typeface="+mn-lt"/>
+                <a:ea typeface="+mn-ea"/>
+                <a:cs typeface="+mn-cs"/>
+              </a:rPr>
+              <a:t>сложная и дорогая для реализации</a:t>
+            </a:r>
+            <a:r>
+              <a:rPr lang="ru-RU" sz="1200" kern="1200" baseline="0" dirty="0" smtClean="0">
+                <a:solidFill>
+                  <a:schemeClr val="tx1"/>
+                </a:solidFill>
+                <a:latin typeface="+mn-lt"/>
+                <a:ea typeface="+mn-ea"/>
+                <a:cs typeface="+mn-cs"/>
+              </a:rPr>
+              <a:t> технология.</a:t>
+            </a:r>
+            <a:endParaRPr lang="ru-RU" baseline="0" dirty="0" smtClean="0"/>
+          </a:p>
+          <a:p>
+            <a:r>
+              <a:rPr lang="ru-RU" baseline="0" dirty="0" smtClean="0"/>
+              <a:t>Инфракрасное излучение </a:t>
+            </a:r>
+            <a:r>
+              <a:rPr lang="ru-RU" baseline="0" dirty="0" smtClean="0"/>
+              <a:t>похоже по принципу на Ультразвук, и для работы с ними требуется приобретать дополнительное оборудование.</a:t>
+            </a:r>
+            <a:endParaRPr lang="ru-RU" sz="1200" kern="1200" dirty="0" smtClean="0">
+              <a:solidFill>
+                <a:schemeClr val="tx1"/>
+              </a:solidFill>
+              <a:latin typeface="+mn-lt"/>
+              <a:ea typeface="+mn-ea"/>
+              <a:cs typeface="+mn-cs"/>
+            </a:endParaRPr>
+          </a:p>
+          <a:p>
+            <a:pPr marL="0" marR="0" indent="0" algn="l" defTabSz="914400" rtl="0" eaLnBrk="1" fontAlgn="auto" latinLnBrk="0" hangingPunct="1">
+              <a:lnSpc>
+                <a:spcPct val="100000"/>
+              </a:lnSpc>
+              <a:spcBef>
+                <a:spcPts val="0"/>
+              </a:spcBef>
+              <a:spcAft>
+                <a:spcPts val="0"/>
+              </a:spcAft>
+              <a:buClrTx/>
+              <a:buSzTx/>
+              <a:buFontTx/>
+              <a:buNone/>
+              <a:tabLst/>
+              <a:defRPr/>
+            </a:pPr>
+            <a:r>
+              <a:rPr lang="ru-RU" sz="1200" kern="1200" baseline="0" dirty="0" smtClean="0">
+                <a:solidFill>
+                  <a:schemeClr val="tx1"/>
+                </a:solidFill>
+                <a:latin typeface="+mn-lt"/>
+                <a:ea typeface="+mn-ea"/>
+                <a:cs typeface="+mn-cs"/>
+              </a:rPr>
+              <a:t>УВБ </a:t>
+            </a:r>
+            <a:r>
+              <a:rPr lang="ru-RU" sz="1200" kern="1200" baseline="0" dirty="0" smtClean="0">
+                <a:solidFill>
+                  <a:schemeClr val="tx1"/>
+                </a:solidFill>
+                <a:latin typeface="+mn-lt"/>
+                <a:ea typeface="+mn-ea"/>
+                <a:cs typeface="+mn-cs"/>
+              </a:rPr>
+              <a:t>– </a:t>
+            </a:r>
+            <a:r>
+              <a:rPr lang="ru-RU" sz="1200" kern="1200" dirty="0" smtClean="0">
+                <a:solidFill>
+                  <a:schemeClr val="tx1"/>
+                </a:solidFill>
+                <a:latin typeface="+mn-lt"/>
+                <a:ea typeface="+mn-ea"/>
+                <a:cs typeface="+mn-cs"/>
+              </a:rPr>
+              <a:t>Не работает на смартфонах.</a:t>
+            </a:r>
+            <a:endParaRPr lang="ru-RU" sz="1200" kern="1200" dirty="0" smtClean="0">
+              <a:solidFill>
+                <a:schemeClr val="tx1"/>
+              </a:solidFill>
+              <a:latin typeface="+mn-lt"/>
+              <a:ea typeface="+mn-ea"/>
+              <a:cs typeface="+mn-cs"/>
+            </a:endParaRPr>
+          </a:p>
+          <a:p>
+            <a:pPr marL="0" marR="0" indent="0" algn="l" defTabSz="914400" rtl="0" eaLnBrk="1" fontAlgn="auto" latinLnBrk="0" hangingPunct="1">
+              <a:lnSpc>
+                <a:spcPct val="100000"/>
+              </a:lnSpc>
+              <a:spcBef>
+                <a:spcPts val="0"/>
+              </a:spcBef>
+              <a:spcAft>
+                <a:spcPts val="0"/>
+              </a:spcAft>
+              <a:buClrTx/>
+              <a:buSzTx/>
+              <a:buFontTx/>
+              <a:buNone/>
+              <a:tabLst/>
+              <a:defRPr/>
+            </a:pPr>
+            <a:endParaRPr lang="ru-RU" sz="1200" kern="1200" dirty="0" smtClean="0">
+              <a:solidFill>
+                <a:schemeClr val="tx1"/>
+              </a:solidFill>
+              <a:latin typeface="+mn-lt"/>
+              <a:ea typeface="+mn-ea"/>
+              <a:cs typeface="+mn-cs"/>
+            </a:endParaRPr>
+          </a:p>
+          <a:p>
+            <a:pPr marL="0" marR="0" indent="0" algn="l" defTabSz="914400" rtl="0" eaLnBrk="1" fontAlgn="auto" latinLnBrk="0" hangingPunct="1">
+              <a:lnSpc>
+                <a:spcPct val="100000"/>
+              </a:lnSpc>
+              <a:spcBef>
+                <a:spcPts val="0"/>
+              </a:spcBef>
+              <a:spcAft>
+                <a:spcPts val="0"/>
+              </a:spcAft>
+              <a:buClrTx/>
+              <a:buSzTx/>
+              <a:buFontTx/>
+              <a:buNone/>
+              <a:tabLst/>
+              <a:defRPr/>
+            </a:pPr>
             <a:r>
               <a:rPr lang="ru-RU" dirty="0" smtClean="0"/>
-              <a:t>Если рассматривать обычного человека, то почти у каждого есть смартфон, который можно использовать как средство вывода картинки из виртуальной реальности. Значит нам нужно, чтобы виртуальная камера не</a:t>
+              <a:t>Исходя из вышесказанных</a:t>
             </a:r>
             <a:r>
               <a:rPr lang="ru-RU" baseline="0" dirty="0" smtClean="0"/>
-              <a:t> только поворачивалась за поворотами смартфона или похожего устройства, но и перемещалась вслед за физическими передвижениями этого устройства.</a:t>
-            </a:r>
-            <a:endParaRPr lang="ru-RU" dirty="0"/>
+              <a:t> описаний и глядя на таблицу следует вывод, что из реализуемых под обычный смартфон, но имеющих при этом неплохую точность лучше всего подходит метод внутреннего позиционирования с помощью </a:t>
+            </a:r>
+            <a:r>
+              <a:rPr lang="en-US" baseline="0" dirty="0" smtClean="0"/>
+              <a:t>Wi-Fi</a:t>
+            </a:r>
+            <a:r>
+              <a:rPr lang="ru-RU" baseline="0" dirty="0" smtClean="0"/>
+              <a:t>.</a:t>
+            </a:r>
           </a:p>
         </p:txBody>
       </p:sp>
@@ -966,44 +2156,6 @@
           <a:lstStyle/>
           <a:p>
             <a:r>
-              <a:rPr lang="ru-RU" dirty="0" smtClean="0"/>
-              <a:t>Здесь</a:t>
-            </a:r>
-            <a:r>
-              <a:rPr lang="ru-RU" baseline="0" dirty="0" smtClean="0"/>
-              <a:t> можно рассказать много, но затронем только самое главное:</a:t>
-            </a:r>
-          </a:p>
-          <a:p>
-            <a:endParaRPr lang="ru-RU" baseline="0" dirty="0" smtClean="0"/>
-          </a:p>
-          <a:p>
-            <a:pPr marL="0" marR="0" indent="0" algn="l" defTabSz="914400" rtl="0" eaLnBrk="1" fontAlgn="auto" latinLnBrk="0" hangingPunct="1">
-              <a:lnSpc>
-                <a:spcPct val="100000"/>
-              </a:lnSpc>
-              <a:spcBef>
-                <a:spcPts val="0"/>
-              </a:spcBef>
-              <a:spcAft>
-                <a:spcPts val="0"/>
-              </a:spcAft>
-              <a:buClrTx/>
-              <a:buSzTx/>
-              <a:buFontTx/>
-              <a:buNone/>
-              <a:tabLst/>
-              <a:defRPr/>
-            </a:pPr>
-            <a:r>
-              <a:rPr lang="en-US" baseline="0" dirty="0" smtClean="0"/>
-              <a:t>GPS –</a:t>
-            </a:r>
-            <a:r>
-              <a:rPr lang="ru-RU" baseline="0" dirty="0" smtClean="0"/>
-              <a:t> система </a:t>
-            </a:r>
-            <a:r>
               <a:rPr lang="ru-RU" sz="1200" kern="1200" dirty="0" smtClean="0">
                 <a:solidFill>
                   <a:schemeClr val="tx1"/>
@@ -1012,14 +2164,30 @@
                 <a:ea typeface="+mn-ea"/>
                 <a:cs typeface="+mn-cs"/>
               </a:rPr>
-              <a:t>глобального позиционирования. К сожалению, не работает, если спутников не видно. Можно отдельно приобретать ретрансляторы, но их стоимость оставляет желать лучшего. </a:t>
-            </a:r>
-            <a:endParaRPr lang="en-US" baseline="0" dirty="0" smtClean="0"/>
-          </a:p>
-          <a:p>
-            <a:r>
-              <a:rPr lang="ru-RU" baseline="0" dirty="0" smtClean="0"/>
-              <a:t>Позиционирование по сотовым сетям - </a:t>
+              <a:t>Когда уже выбран инструмент, которым будешь пользоваться, стоит рассмотреть все методы, использующиеся для определения местоположения устройства в пространстве</a:t>
+            </a:r>
+          </a:p>
+          <a:p>
+            <a:endParaRPr lang="ru-RU" sz="1200" kern="1200" baseline="0" dirty="0" smtClean="0">
+              <a:solidFill>
+                <a:schemeClr val="tx1"/>
+              </a:solidFill>
+              <a:latin typeface="+mn-lt"/>
+              <a:ea typeface="+mn-ea"/>
+              <a:cs typeface="+mn-cs"/>
+            </a:endParaRPr>
+          </a:p>
+          <a:p>
+            <a:r>
+              <a:rPr lang="en-US" sz="1200" kern="1200" baseline="0" dirty="0" smtClean="0">
+                <a:solidFill>
+                  <a:schemeClr val="tx1"/>
+                </a:solidFill>
+                <a:latin typeface="+mn-lt"/>
+                <a:ea typeface="+mn-ea"/>
+                <a:cs typeface="+mn-cs"/>
+              </a:rPr>
+              <a:t>RSS – </a:t>
             </a:r>
             <a:r>
               <a:rPr lang="ru-RU" sz="1200" kern="1200" dirty="0" smtClean="0">
@@ -1030,111 +2198,8 @@
                 <a:ea typeface="+mn-ea"/>
                 <a:cs typeface="+mn-cs"/>
               </a:rPr>
-              <a:t>точность в этом случае еще ниже, чем у </a:t>
-            </a:r>
-            <a:r>
-              <a:rPr lang="en-US" sz="1200" kern="1200" dirty="0" smtClean="0">
-                <a:solidFill>
-                  <a:schemeClr val="tx1"/>
-                </a:solidFill>
-                <a:latin typeface="+mn-lt"/>
-                <a:ea typeface="+mn-ea"/>
-                <a:cs typeface="+mn-cs"/>
-              </a:rPr>
-              <a:t>GPS</a:t>
-            </a:r>
-            <a:r>
-              <a:rPr lang="ru-RU" sz="1200" kern="1200" dirty="0" smtClean="0">
-                <a:solidFill>
-                  <a:schemeClr val="tx1"/>
-                </a:solidFill>
-                <a:latin typeface="+mn-lt"/>
-                <a:ea typeface="+mn-ea"/>
-                <a:cs typeface="+mn-cs"/>
-              </a:rPr>
-              <a:t>, даже в районах с высокой плотностью станций.</a:t>
-            </a:r>
-            <a:endParaRPr lang="ru-RU" baseline="0" dirty="0" smtClean="0"/>
-          </a:p>
-          <a:p>
-            <a:r>
-              <a:rPr lang="ru-RU" baseline="0" dirty="0" smtClean="0"/>
-              <a:t>Инерциальные системы - </a:t>
-            </a:r>
-            <a:r>
-              <a:rPr lang="ru-RU" sz="1200" kern="1200" dirty="0" smtClean="0">
-                <a:solidFill>
-                  <a:schemeClr val="tx1"/>
-                </a:solidFill>
-                <a:latin typeface="+mn-lt"/>
-                <a:ea typeface="+mn-ea"/>
-                <a:cs typeface="+mn-cs"/>
-              </a:rPr>
-              <a:t>используется модель движения человека: если мы знаем, где были, в какую сторону и как быстро двигались, то можно рассчитать, где мы оказались через некоторое время. Это достигается с помощью гироскопов и акселерометров смартфона. Однако в нашем случае они используются для поворотов виртуальной камеры.</a:t>
-            </a:r>
-            <a:endParaRPr lang="ru-RU" baseline="0" dirty="0" smtClean="0"/>
-          </a:p>
-          <a:p>
-            <a:r>
-              <a:rPr lang="en-US" baseline="0" dirty="0" smtClean="0"/>
-              <a:t>Wi-Fi</a:t>
-            </a:r>
-            <a:r>
-              <a:rPr lang="ru-RU" baseline="0" dirty="0" smtClean="0"/>
-              <a:t> - </a:t>
-            </a:r>
-            <a:r>
-              <a:rPr lang="ru-RU" sz="1200" kern="1200" dirty="0" smtClean="0">
-                <a:solidFill>
-                  <a:schemeClr val="tx1"/>
-                </a:solidFill>
-                <a:latin typeface="+mn-lt"/>
-                <a:ea typeface="+mn-ea"/>
-                <a:cs typeface="+mn-cs"/>
-              </a:rPr>
-              <a:t>Местоположение вычисляется путем сравнения измеряемых в реальном времени мощностей сигнала от окружающих </a:t>
-            </a:r>
-            <a:r>
-              <a:rPr lang="ru-RU" sz="1200" kern="1200" dirty="0" err="1" smtClean="0">
-                <a:solidFill>
-                  <a:schemeClr val="tx1"/>
-                </a:solidFill>
-                <a:latin typeface="+mn-lt"/>
-                <a:ea typeface="+mn-ea"/>
-                <a:cs typeface="+mn-cs"/>
-              </a:rPr>
-              <a:t>Wi-Fi</a:t>
-            </a:r>
-            <a:r>
-              <a:rPr lang="ru-RU" sz="1200" kern="1200" dirty="0" smtClean="0">
-                <a:solidFill>
-                  <a:schemeClr val="tx1"/>
-                </a:solidFill>
-                <a:latin typeface="+mn-lt"/>
-                <a:ea typeface="+mn-ea"/>
-                <a:cs typeface="+mn-cs"/>
-              </a:rPr>
-              <a:t> точек доступа с заранее измеренными значениями, привязанными к карте помещения.</a:t>
-            </a:r>
-          </a:p>
-          <a:p>
-            <a:pPr marL="0" marR="0" indent="0" algn="l" defTabSz="914400" rtl="0" eaLnBrk="1" fontAlgn="auto" latinLnBrk="0" hangingPunct="1">
-              <a:lnSpc>
-                <a:spcPct val="100000"/>
-              </a:lnSpc>
-              <a:spcBef>
-                <a:spcPts val="0"/>
-              </a:spcBef>
-              <a:spcAft>
-                <a:spcPts val="0"/>
-              </a:spcAft>
-              <a:buClrTx/>
-              <a:buSzTx/>
-              <a:buFontTx/>
-              <a:buNone/>
-              <a:tabLst/>
-              <a:defRPr/>
-            </a:pPr>
+              <a:t>Уровень принимаемого сигнала от передатчика.</a:t>
+            </a:r>
             <a:r>
               <a:rPr lang="ru-RU" sz="1200" kern="1200" baseline="0" dirty="0" smtClean="0">
                 <a:solidFill>
@@ -1144,10 +2209,12 @@
                 <a:ea typeface="+mn-ea"/>
                 <a:cs typeface="+mn-cs"/>
               </a:rPr>
-              <a:t>Оптика - </a:t>
-            </a:r>
-            <a:r>
-              <a:rPr lang="ru-RU" sz="1200" kern="1200" dirty="0" smtClean="0">
+              <a:t> Не эффективен на длинных дистанциях.</a:t>
+            </a:r>
+          </a:p>
+          <a:p>
+            <a:r>
+              <a:rPr lang="en-US" sz="1200" kern="1200" baseline="0" dirty="0" err="1" smtClean="0">
                 <a:solidFill>
                   <a:schemeClr val="tx1"/>
                 </a:solidFill>
@@ -1155,7 +2222,7 @@
                 <a:ea typeface="+mn-ea"/>
                 <a:cs typeface="+mn-cs"/>
               </a:rPr>
-              <a:t>предварительное сканирование помещения, а потом определение своего местоположения по картинке, полученной с камеры смартфона.</a:t>
+              <a:t>AoA</a:t>
             </a:r>
             <a:r>
               <a:rPr lang="ru-RU" sz="1200" kern="1200" baseline="0" dirty="0" smtClean="0">
@@ -1166,18 +2233,28 @@
                 <a:ea typeface="+mn-ea"/>
                 <a:cs typeface="+mn-cs"/>
               </a:rPr>
-              <a:t> Появляется проблемы освещения и видимости. Сложно, но удобно использовать вместе с технологией дополненной реальности.</a:t>
-            </a:r>
-            <a:endParaRPr lang="ru-RU" baseline="0" dirty="0" smtClean="0"/>
-          </a:p>
-          <a:p>
-            <a:r>
-              <a:rPr lang="ru-RU" baseline="0" dirty="0" err="1" smtClean="0"/>
-              <a:t>Лидар</a:t>
-            </a:r>
-            <a:r>
-              <a:rPr lang="ru-RU" baseline="0" dirty="0" smtClean="0"/>
-              <a:t> - </a:t>
+              <a:t> – Триангуляция между антеннами. Требуются специфические антенны.</a:t>
+            </a:r>
+            <a:endParaRPr lang="en-US" sz="1200" kern="1200" baseline="0" dirty="0" smtClean="0">
+              <a:solidFill>
+                <a:schemeClr val="tx1"/>
+              </a:solidFill>
+              <a:latin typeface="+mn-lt"/>
+              <a:ea typeface="+mn-ea"/>
+              <a:cs typeface="+mn-cs"/>
+            </a:endParaRPr>
+          </a:p>
+          <a:p>
+            <a:r>
+              <a:rPr lang="en-US" sz="1200" kern="1200" baseline="0" dirty="0" err="1" smtClean="0">
+                <a:solidFill>
+                  <a:schemeClr val="tx1"/>
+                </a:solidFill>
+                <a:latin typeface="+mn-lt"/>
+                <a:ea typeface="+mn-ea"/>
+                <a:cs typeface="+mn-cs"/>
+              </a:rPr>
+              <a:t>ToF</a:t>
             </a:r>
             <a:r>
               <a:rPr lang="ru-RU" sz="1200" kern="1200" baseline="0" dirty="0" smtClean="0">
@@ -1188,10 +2265,20 @@
                 <a:ea typeface="+mn-ea"/>
                 <a:cs typeface="+mn-cs"/>
               </a:rPr>
-              <a:t>т</a:t>
-            </a:r>
-            <a:r>
-              <a:rPr lang="ru-RU" sz="1200" kern="1200" dirty="0" smtClean="0">
+              <a:t> – Время прохождения волны. Требуется специфическая модуляция.</a:t>
+            </a:r>
+            <a:endParaRPr lang="en-US" sz="1200" kern="1200" baseline="0" dirty="0" smtClean="0">
+              <a:solidFill>
+                <a:schemeClr val="tx1"/>
+              </a:solidFill>
+              <a:latin typeface="+mn-lt"/>
+              <a:ea typeface="+mn-ea"/>
+              <a:cs typeface="+mn-cs"/>
+            </a:endParaRPr>
+          </a:p>
+          <a:p>
+            <a:r>
+              <a:rPr lang="en-US" sz="1200" kern="1200" baseline="0" dirty="0" err="1" smtClean="0">
                 <a:solidFill>
                   <a:schemeClr val="tx1"/>
                 </a:solidFill>
@@ -1199,7 +2286,7 @@
                 <a:ea typeface="+mn-ea"/>
                 <a:cs typeface="+mn-cs"/>
               </a:rPr>
-              <a:t>ехнология получения и обработки информации об удалённых объектах с помощью активных оптических систем, использующих явления отражения света и его рассеяния в прозрачных и полупрозрачных средах. Крайне</a:t>
+              <a:t>ToA</a:t>
             </a:r>
             <a:r>
               <a:rPr lang="ru-RU" sz="1200" kern="1200" baseline="0" dirty="0" smtClean="0">
@@ -1210,10 +2297,10 @@
                 <a:ea typeface="+mn-ea"/>
                 <a:cs typeface="+mn-cs"/>
               </a:rPr>
-              <a:t> эффективная, но безумно</a:t>
-            </a:r>
-            <a:r>
-              <a:rPr lang="ru-RU" sz="1200" kern="1200" dirty="0" smtClean="0">
+              <a:t> и</a:t>
+            </a:r>
+            <a:r>
+              <a:rPr lang="en-US" sz="1200" kern="1200" baseline="0" dirty="0" smtClean="0">
                 <a:solidFill>
                   <a:schemeClr val="tx1"/>
                 </a:solidFill>
@@ -1221,7 +2308,29 @@
                 <a:ea typeface="+mn-ea"/>
                 <a:cs typeface="+mn-cs"/>
               </a:rPr>
-              <a:t> сложная и дорогая для реализации</a:t>
+              <a:t> </a:t>
+            </a:r>
+            <a:r>
+              <a:rPr lang="en-US" sz="1200" kern="1200" baseline="0" dirty="0" err="1" smtClean="0">
+                <a:solidFill>
+                  <a:schemeClr val="tx1"/>
+                </a:solidFill>
+                <a:latin typeface="+mn-lt"/>
+                <a:ea typeface="+mn-ea"/>
+                <a:cs typeface="+mn-cs"/>
+              </a:rPr>
+              <a:t>TDoA</a:t>
+            </a:r>
+            <a:r>
+              <a:rPr lang="en-US" sz="1200" kern="1200" baseline="0" dirty="0" smtClean="0">
+                <a:solidFill>
+                  <a:schemeClr val="tx1"/>
+                </a:solidFill>
+                <a:latin typeface="+mn-lt"/>
+                <a:ea typeface="+mn-ea"/>
+                <a:cs typeface="+mn-cs"/>
+              </a:rPr>
+              <a:t> – </a:t>
             </a:r>
             <a:r>
               <a:rPr lang="ru-RU" sz="1200" kern="1200" baseline="0" dirty="0" smtClean="0">
@@ -1232,164 +2341,9 @@
                 <a:ea typeface="+mn-ea"/>
                 <a:cs typeface="+mn-cs"/>
               </a:rPr>
-              <a:t> технология.</a:t>
+              <a:t>Время прохождения волны. Требуется точная синхронизация времени.</a:t>
             </a:r>
             <a:endParaRPr lang="ru-RU" baseline="0" dirty="0" smtClean="0"/>
-          </a:p>
-          <a:p>
-            <a:r>
-              <a:rPr lang="ru-RU" baseline="0" dirty="0" smtClean="0"/>
-              <a:t>Инфракрасное излучение - </a:t>
-            </a:r>
-            <a:r>
-              <a:rPr lang="ru-RU" sz="1200" kern="1200" dirty="0" smtClean="0">
-                <a:solidFill>
-                  <a:schemeClr val="tx1"/>
-                </a:solidFill>
-                <a:latin typeface="+mn-lt"/>
-                <a:ea typeface="+mn-ea"/>
-                <a:cs typeface="+mn-cs"/>
-              </a:rPr>
-              <a:t>В системах инфракрасного позиционирования мобильные приборы испускают инфракрасные импульсы с определенной периодичностью. Эти импульсы воспринимаются приемниками системы, и местонахождение прибора рассчитывается по времени прохождения сигнала от источника к приемнику.</a:t>
-            </a:r>
-            <a:endParaRPr lang="ru-RU" baseline="0" dirty="0" smtClean="0"/>
-          </a:p>
-          <a:p>
-            <a:pPr marL="0" marR="0" indent="0" algn="l" defTabSz="914400" rtl="0" eaLnBrk="1" fontAlgn="auto" latinLnBrk="0" hangingPunct="1">
-              <a:lnSpc>
-                <a:spcPct val="100000"/>
-              </a:lnSpc>
-              <a:spcBef>
-                <a:spcPts val="0"/>
-              </a:spcBef>
-              <a:spcAft>
-                <a:spcPts val="0"/>
-              </a:spcAft>
-              <a:buClrTx/>
-              <a:buSzTx/>
-              <a:buFontTx/>
-              <a:buNone/>
-              <a:tabLst/>
-              <a:defRPr/>
-            </a:pPr>
-            <a:r>
-              <a:rPr lang="ru-RU" baseline="0" dirty="0" smtClean="0"/>
-              <a:t>Ультразвук - </a:t>
-            </a:r>
-            <a:r>
-              <a:rPr lang="ru-RU" sz="1200" kern="1200" dirty="0" smtClean="0">
-                <a:solidFill>
-                  <a:schemeClr val="tx1"/>
-                </a:solidFill>
-                <a:latin typeface="+mn-lt"/>
-                <a:ea typeface="+mn-ea"/>
-                <a:cs typeface="+mn-cs"/>
-              </a:rPr>
-              <a:t>Расстояние рассчитывается по времени прохождения сигнала от датчика до приемника. Используя несколько приемников, можно точно рассчитать местоположение передатчика.</a:t>
-            </a:r>
-          </a:p>
-          <a:p>
-            <a:pPr marL="0" marR="0" indent="0" algn="l" defTabSz="914400" rtl="0" eaLnBrk="1" fontAlgn="auto" latinLnBrk="0" hangingPunct="1">
-              <a:lnSpc>
-                <a:spcPct val="100000"/>
-              </a:lnSpc>
-              <a:spcBef>
-                <a:spcPts val="0"/>
-              </a:spcBef>
-              <a:spcAft>
-                <a:spcPts val="0"/>
-              </a:spcAft>
-              <a:buClrTx/>
-              <a:buSzTx/>
-              <a:buFontTx/>
-              <a:buNone/>
-              <a:tabLst/>
-              <a:defRPr/>
-            </a:pPr>
-            <a:r>
-              <a:rPr lang="ru-RU" sz="1200" kern="1200" baseline="0" dirty="0" smtClean="0">
-                <a:solidFill>
-                  <a:schemeClr val="tx1"/>
-                </a:solidFill>
-                <a:latin typeface="+mn-lt"/>
-                <a:ea typeface="+mn-ea"/>
-                <a:cs typeface="+mn-cs"/>
-              </a:rPr>
-              <a:t>УВБ - </a:t>
-            </a:r>
-            <a:r>
-              <a:rPr lang="ru-RU" sz="1200" kern="1200" dirty="0" smtClean="0">
-                <a:solidFill>
-                  <a:schemeClr val="tx1"/>
-                </a:solidFill>
-                <a:latin typeface="+mn-lt"/>
-                <a:ea typeface="+mn-ea"/>
-                <a:cs typeface="+mn-cs"/>
-              </a:rPr>
-              <a:t>Беспроводная технология связи на малых расстояниях при низких затратах энергии, использующая в качестве несущей сверхширокополосные сигналы с крайне низкой спектральной плотностью мощности. Надежная работа и высокая точность позиционирования даже при наличии отраженных сигналов.</a:t>
-            </a:r>
-          </a:p>
-          <a:p>
-            <a:pPr marL="0" marR="0" indent="0" algn="l" defTabSz="914400" rtl="0" eaLnBrk="1" fontAlgn="auto" latinLnBrk="0" hangingPunct="1">
-              <a:lnSpc>
-                <a:spcPct val="100000"/>
-              </a:lnSpc>
-              <a:spcBef>
-                <a:spcPts val="0"/>
-              </a:spcBef>
-              <a:spcAft>
-                <a:spcPts val="0"/>
-              </a:spcAft>
-              <a:buClrTx/>
-              <a:buSzTx/>
-              <a:buFontTx/>
-              <a:buNone/>
-              <a:tabLst/>
-              <a:defRPr/>
-            </a:pPr>
-            <a:endParaRPr lang="ru-RU" sz="1200" kern="1200" dirty="0" smtClean="0">
-              <a:solidFill>
-                <a:schemeClr val="tx1"/>
-              </a:solidFill>
-              <a:latin typeface="+mn-lt"/>
-              <a:ea typeface="+mn-ea"/>
-              <a:cs typeface="+mn-cs"/>
-            </a:endParaRPr>
-          </a:p>
-          <a:p>
-            <a:pPr marL="0" marR="0" indent="0" algn="l" defTabSz="914400" rtl="0" eaLnBrk="1" fontAlgn="auto" latinLnBrk="0" hangingPunct="1">
-              <a:lnSpc>
-                <a:spcPct val="100000"/>
-              </a:lnSpc>
-              <a:spcBef>
-                <a:spcPts val="0"/>
-              </a:spcBef>
-              <a:spcAft>
-                <a:spcPts val="0"/>
-              </a:spcAft>
-              <a:buClrTx/>
-              <a:buSzTx/>
-              <a:buFontTx/>
-              <a:buNone/>
-              <a:tabLst/>
-              <a:defRPr/>
-            </a:pPr>
-            <a:r>
-              <a:rPr lang="ru-RU" dirty="0" smtClean="0"/>
-              <a:t>Исходя из вышесказанных</a:t>
-            </a:r>
-            <a:r>
-              <a:rPr lang="ru-RU" baseline="0" dirty="0" smtClean="0"/>
-              <a:t> описаний и глядя на таблицу следует вывод, что из реализуемых под обычный смартфон, но имеющих при этом неплохую точность лучше всего подходит метод внутреннего позиционирования с помощью </a:t>
-            </a:r>
-            <a:r>
-              <a:rPr lang="en-US" baseline="0" dirty="0" smtClean="0"/>
-              <a:t>Wi-Fi</a:t>
-            </a:r>
-            <a:r>
-              <a:rPr lang="ru-RU" baseline="0" dirty="0" smtClean="0"/>
-              <a:t>.</a:t>
-            </a:r>
           </a:p>
         </p:txBody>
       </p:sp>
@@ -1473,7 +2427,11 @@
           <a:p>
             <a:r>
               <a:rPr lang="ru-RU" baseline="0" dirty="0" smtClean="0"/>
-              <a:t>Основная идея – по комнате располагаются </a:t>
+              <a:t>По </a:t>
+            </a:r>
+            <a:r>
+              <a:rPr lang="ru-RU" baseline="0" dirty="0" smtClean="0"/>
+              <a:t>комнате располагаются </a:t>
             </a:r>
             <a:r>
               <a:rPr lang="en-US" baseline="0" dirty="0" smtClean="0"/>
@@ -1492,32 +2450,7 @@
                 <a:ea typeface="+mn-ea"/>
                 <a:cs typeface="+mn-cs"/>
               </a:rPr>
-              <a:t>FSPL.</a:t>
-            </a:r>
-            <a:endParaRPr lang="ru-RU" baseline="0" dirty="0" smtClean="0"/>
-          </a:p>
-          <a:p>
-            <a:r>
-              <a:rPr lang="en-US" sz="1200" kern="1200" dirty="0" smtClean="0">
-                <a:solidFill>
-                  <a:schemeClr val="tx1"/>
-                </a:solidFill>
-                <a:latin typeface="+mn-lt"/>
-                <a:ea typeface="+mn-ea"/>
-                <a:cs typeface="+mn-cs"/>
-              </a:rPr>
-              <a:t>F</a:t>
-            </a:r>
-            <a:r>
-              <a:rPr lang="ru-RU" sz="1200" kern="1200" dirty="0" err="1" smtClean="0">
-                <a:solidFill>
-                  <a:schemeClr val="tx1"/>
-                </a:solidFill>
-                <a:latin typeface="+mn-lt"/>
-                <a:ea typeface="+mn-ea"/>
-                <a:cs typeface="+mn-cs"/>
-              </a:rPr>
-              <a:t>ree-space</a:t>
+              <a:t>учитывающую потери </a:t>
             </a:r>
             <a:r>
               <a:rPr lang="ru-RU" sz="1200" kern="1200" dirty="0" smtClean="0">
@@ -1528,18 +2461,7 @@
                 <a:ea typeface="+mn-ea"/>
                 <a:cs typeface="+mn-cs"/>
               </a:rPr>
-              <a:t> </a:t>
-            </a:r>
-            <a:r>
-              <a:rPr lang="ru-RU" sz="1200" kern="1200" dirty="0" err="1" smtClean="0">
-                <a:solidFill>
-                  <a:schemeClr val="tx1"/>
-                </a:solidFill>
-                <a:latin typeface="+mn-lt"/>
-                <a:ea typeface="+mn-ea"/>
-                <a:cs typeface="+mn-cs"/>
-              </a:rPr>
-              <a:t>path</a:t>
+              <a:t>в свободном </a:t>
             </a:r>
             <a:r>
               <a:rPr lang="ru-RU" sz="1200" kern="1200" dirty="0" smtClean="0">
@@ -1550,18 +2472,7 @@
                 <a:ea typeface="+mn-ea"/>
                 <a:cs typeface="+mn-cs"/>
               </a:rPr>
-              <a:t> </a:t>
-            </a:r>
-            <a:r>
-              <a:rPr lang="ru-RU" sz="1200" kern="1200" dirty="0" err="1" smtClean="0">
-                <a:solidFill>
-                  <a:schemeClr val="tx1"/>
-                </a:solidFill>
-                <a:latin typeface="+mn-lt"/>
-                <a:ea typeface="+mn-ea"/>
-                <a:cs typeface="+mn-cs"/>
-              </a:rPr>
-              <a:t>loss</a:t>
+              <a:t>пространстве, которые </a:t>
             </a:r>
             <a:r>
               <a:rPr lang="ru-RU" sz="1200" kern="1200" dirty="0" smtClean="0">
@@ -1572,72 +2483,7 @@
                 <a:ea typeface="+mn-ea"/>
                 <a:cs typeface="+mn-cs"/>
               </a:rPr>
-              <a:t> – формула,</a:t>
-            </a:r>
-            <a:r>
-              <a:rPr lang="ru-RU" sz="1200" kern="1200" baseline="0" dirty="0" smtClean="0">
-                <a:solidFill>
-                  <a:schemeClr val="tx1"/>
-                </a:solidFill>
-                <a:latin typeface="+mn-lt"/>
-                <a:ea typeface="+mn-ea"/>
-                <a:cs typeface="+mn-cs"/>
-              </a:rPr>
-              <a:t> учитывающая </a:t>
-            </a:r>
-            <a:r>
-              <a:rPr lang="ru-RU" sz="1200" kern="1200" dirty="0" smtClean="0">
-                <a:solidFill>
-                  <a:schemeClr val="tx1"/>
-                </a:solidFill>
-                <a:latin typeface="+mn-lt"/>
-                <a:ea typeface="+mn-ea"/>
-                <a:cs typeface="+mn-cs"/>
-              </a:rPr>
-              <a:t>потери сигнала в электромагнитной среде, которые возникают в результате прохождения волны сквозь пространство (обычно воздух), без каких-либо препятствий поблизости, вызывающих отражение или </a:t>
-            </a:r>
-            <a:r>
-              <a:rPr lang="ru-RU" sz="1200" kern="1200" dirty="0" smtClean="0">
-                <a:solidFill>
-                  <a:schemeClr val="tx1"/>
-                </a:solidFill>
-                <a:latin typeface="+mn-lt"/>
-                <a:ea typeface="+mn-ea"/>
-                <a:cs typeface="+mn-cs"/>
-              </a:rPr>
-              <a:t>дифракцию.</a:t>
-            </a:r>
-            <a:endParaRPr lang="en-US" sz="1200" kern="1200" dirty="0" smtClean="0">
-              <a:solidFill>
-                <a:schemeClr val="tx1"/>
-              </a:solidFill>
-              <a:latin typeface="+mn-lt"/>
-              <a:ea typeface="+mn-ea"/>
-              <a:cs typeface="+mn-cs"/>
-            </a:endParaRPr>
-          </a:p>
-          <a:p>
-            <a:r>
-              <a:rPr lang="ru-RU" sz="1200" kern="1200" dirty="0" smtClean="0">
-                <a:solidFill>
-                  <a:schemeClr val="tx1"/>
-                </a:solidFill>
-                <a:latin typeface="+mn-lt"/>
-                <a:ea typeface="+mn-ea"/>
-                <a:cs typeface="+mn-cs"/>
-              </a:rPr>
-              <a:t>Потери </a:t>
-            </a:r>
-            <a:r>
-              <a:rPr lang="ru-RU" sz="1200" kern="1200" dirty="0" smtClean="0">
-                <a:solidFill>
-                  <a:schemeClr val="tx1"/>
-                </a:solidFill>
-                <a:latin typeface="+mn-lt"/>
-                <a:ea typeface="+mn-ea"/>
-                <a:cs typeface="+mn-cs"/>
-              </a:rPr>
-              <a:t>в свободном пространстве пропорциональны квадрату расстояния между передатчиком и приемником, а также пропорциональны квадрату частоты радиосигнала.</a:t>
+              <a:t>пропорциональны квадрату расстояния между передатчиком и приемником, а также пропорциональны квадрату частоты радиосигнала.</a:t>
             </a:r>
           </a:p>
           <a:p>
@@ -1772,39 +2618,6 @@
           </a:bodyPr>
           <a:lstStyle/>
           <a:p>
-            <a:r>
-              <a:rPr lang="ru-RU" dirty="0" smtClean="0"/>
-              <a:t>Здесь на графике изображены результаты полученных расстояний от нескольких</a:t>
-            </a:r>
-            <a:r>
-              <a:rPr lang="ru-RU" baseline="0" dirty="0" smtClean="0"/>
-              <a:t> роутеров, усредненное значение по ним, и реальное расстояние до устройства.</a:t>
-            </a:r>
-          </a:p>
-          <a:p>
-            <a:r>
-              <a:rPr lang="ru-RU" baseline="0" dirty="0" smtClean="0"/>
-              <a:t>Хорошо заметен всплеск от одного из них, и именно для этого вводятся веса, на основе которых выбираются «правильные» данные</a:t>
-            </a:r>
-            <a:r>
-              <a:rPr lang="ru-RU" baseline="0" dirty="0" smtClean="0"/>
-              <a:t>.</a:t>
-            </a:r>
-            <a:endParaRPr lang="en-US" baseline="0" dirty="0" smtClean="0"/>
-          </a:p>
-          <a:p>
-            <a:r>
-              <a:rPr lang="ru-RU" baseline="0" dirty="0" smtClean="0"/>
-              <a:t>В будущем планируется применение фильтра </a:t>
-            </a:r>
-            <a:r>
-              <a:rPr lang="ru-RU" baseline="0" dirty="0" err="1" smtClean="0"/>
-              <a:t>Калмана</a:t>
-            </a:r>
-            <a:r>
-              <a:rPr lang="ru-RU" baseline="0" dirty="0" smtClean="0"/>
-              <a:t> для того чтобы избавиться от подобных скачков.</a:t>
-            </a:r>
             <a:endParaRPr lang="ru-RU" dirty="0"/>
           </a:p>
         </p:txBody>
@@ -1887,41 +2700,7 @@
           </a:bodyPr>
           <a:lstStyle/>
           <a:p>
-            <a:pPr marL="0" marR="0" indent="0" algn="l" defTabSz="914400" rtl="0" eaLnBrk="1" fontAlgn="auto" latinLnBrk="0" hangingPunct="1">
-              <a:lnSpc>
-                <a:spcPct val="100000"/>
-              </a:lnSpc>
-              <a:spcBef>
-                <a:spcPts val="0"/>
-              </a:spcBef>
-              <a:spcAft>
-                <a:spcPts val="0"/>
-              </a:spcAft>
-              <a:buClrTx/>
-              <a:buSzTx/>
-              <a:buFontTx/>
-              <a:buNone/>
-              <a:tabLst/>
-              <a:defRPr/>
-            </a:pPr>
-            <a:r>
-              <a:rPr lang="ru-RU" baseline="0" dirty="0" smtClean="0"/>
-              <a:t>Очевидно, что использовать приоритетность данных удобнее, когда данных много. А значит при увеличении количества роутеров – увеличивается точность расчета положения в пространстве.</a:t>
-            </a:r>
-            <a:endParaRPr lang="ru-RU" dirty="0" smtClean="0"/>
-          </a:p>
-          <a:p>
-            <a:endParaRPr lang="ru-RU" dirty="0" smtClean="0"/>
-          </a:p>
-          <a:p>
-            <a:r>
-              <a:rPr lang="ru-RU" dirty="0" smtClean="0"/>
-              <a:t>Кроме присвоения весов для полученных данных со</a:t>
-            </a:r>
-            <a:r>
-              <a:rPr lang="ru-RU" baseline="0" dirty="0" smtClean="0"/>
-              <a:t> строго определенных роутеров, которые использует пользователь, можно использовать данные с окружающих роутеров, местоположение которых точно не известно, но к которым можно определить приблизительное направление, использование которых немного улучшит итоговый результат расчета местоположения.</a:t>
-            </a:r>
+            <a:endParaRPr lang="ru-RU" dirty="0"/>
           </a:p>
         </p:txBody>
       </p:sp>
@@ -2003,130 +2782,7 @@
           </a:bodyPr>
           <a:lstStyle/>
           <a:p>
-            <a:r>
-              <a:rPr lang="ru-RU" dirty="0" smtClean="0"/>
-              <a:t>В данное время проблема внутреннего позиционирования широко распространена, и каждый ищет вариант её решения. Однако стоит помнить о средствах, которыми каждый располагает.</a:t>
-            </a:r>
-          </a:p>
-          <a:p>
-            <a:r>
-              <a:rPr lang="ru-RU" dirty="0" smtClean="0"/>
-              <a:t>Одни используя ультразвук добиваются хорошей точности в 2 сантиметра. Другие используя</a:t>
-            </a:r>
-            <a:r>
-              <a:rPr lang="ru-RU" baseline="0" dirty="0" smtClean="0"/>
-              <a:t> множество антенн направленных в разные стороны и высчитывая угол прихода сигнала получают высокую точность даже при использовании </a:t>
-            </a:r>
-            <a:r>
-              <a:rPr lang="en-US" baseline="0" dirty="0" smtClean="0"/>
-              <a:t>Wi-Fi</a:t>
-            </a:r>
-            <a:r>
-              <a:rPr lang="ru-RU" baseline="0" dirty="0" smtClean="0"/>
-              <a:t>.</a:t>
-            </a:r>
-          </a:p>
-          <a:p>
-            <a:r>
-              <a:rPr lang="ru-RU" baseline="0" dirty="0" smtClean="0"/>
-              <a:t>В нашем же случае рассматривается: на сколько высокую точность можно получить, используя лишь обычный смартфон. Ведь чтобы приложение стало популярным – оно должно быть простым и не особо дорогим. И именно такой подход нужен при написании приложения для экскурсий.</a:t>
-            </a:r>
-          </a:p>
-          <a:p>
-            <a:pPr marL="0" marR="0" indent="0" algn="l" defTabSz="914400" rtl="0" eaLnBrk="1" fontAlgn="auto" latinLnBrk="0" hangingPunct="1">
-              <a:lnSpc>
-                <a:spcPct val="100000"/>
-              </a:lnSpc>
-              <a:spcBef>
-                <a:spcPts val="0"/>
-              </a:spcBef>
-              <a:spcAft>
-                <a:spcPts val="0"/>
-              </a:spcAft>
-              <a:buClrTx/>
-              <a:buSzTx/>
-              <a:buFontTx/>
-              <a:buNone/>
-              <a:tabLst/>
-              <a:defRPr/>
-            </a:pPr>
-            <a:r>
-              <a:rPr lang="ru-RU" sz="1200" kern="1200" dirty="0" smtClean="0">
-                <a:solidFill>
-                  <a:schemeClr val="tx1"/>
-                </a:solidFill>
-                <a:latin typeface="+mn-lt"/>
-                <a:ea typeface="+mn-ea"/>
-                <a:cs typeface="+mn-cs"/>
-              </a:rPr>
-              <a:t>Эта работа попадает под</a:t>
-            </a:r>
-            <a:r>
-              <a:rPr lang="ru-RU" sz="1200" kern="1200" baseline="0" dirty="0" smtClean="0">
-                <a:solidFill>
-                  <a:schemeClr val="tx1"/>
-                </a:solidFill>
-                <a:latin typeface="+mn-lt"/>
-                <a:ea typeface="+mn-ea"/>
-                <a:cs typeface="+mn-cs"/>
-              </a:rPr>
-              <a:t> условия гранта, в</a:t>
-            </a:r>
-            <a:r>
-              <a:rPr lang="ru-RU" sz="1200" kern="1200" dirty="0" smtClean="0">
-                <a:solidFill>
-                  <a:schemeClr val="tx1"/>
-                </a:solidFill>
-                <a:latin typeface="+mn-lt"/>
-                <a:ea typeface="+mn-ea"/>
-                <a:cs typeface="+mn-cs"/>
-              </a:rPr>
-              <a:t> рамках</a:t>
-            </a:r>
-            <a:r>
-              <a:rPr lang="ru-RU" sz="1200" kern="1200" baseline="0" dirty="0" smtClean="0">
-                <a:solidFill>
-                  <a:schemeClr val="tx1"/>
-                </a:solidFill>
-                <a:latin typeface="+mn-lt"/>
-                <a:ea typeface="+mn-ea"/>
-                <a:cs typeface="+mn-cs"/>
-              </a:rPr>
-              <a:t> которого</a:t>
-            </a:r>
-            <a:r>
-              <a:rPr lang="ru-RU" sz="1200" kern="1200" dirty="0" smtClean="0">
-                <a:solidFill>
-                  <a:schemeClr val="tx1"/>
-                </a:solidFill>
-                <a:latin typeface="+mn-lt"/>
-                <a:ea typeface="+mn-ea"/>
-                <a:cs typeface="+mn-cs"/>
-              </a:rPr>
-              <a:t> предполагается продолжение данной работы с добавлением остальных комнат данного архитектурного комплекса, что в итоге выльется в полноценную экскурсию по всему архитектурному сооружению </a:t>
-            </a:r>
-            <a:r>
-              <a:rPr lang="ru-RU" sz="1200" kern="1200" dirty="0" err="1" smtClean="0">
-                <a:solidFill>
-                  <a:schemeClr val="tx1"/>
-                </a:solidFill>
-                <a:latin typeface="+mn-lt"/>
-                <a:ea typeface="+mn-ea"/>
-                <a:cs typeface="+mn-cs"/>
-              </a:rPr>
-              <a:t>Феодоровского</a:t>
-            </a:r>
-            <a:r>
-              <a:rPr lang="ru-RU" sz="1200" kern="1200" dirty="0" smtClean="0">
-                <a:solidFill>
-                  <a:schemeClr val="tx1"/>
-                </a:solidFill>
-                <a:latin typeface="+mn-lt"/>
-                <a:ea typeface="+mn-ea"/>
-                <a:cs typeface="+mn-cs"/>
-              </a:rPr>
-              <a:t> городка.</a:t>
-            </a:r>
+            <a:endParaRPr lang="ru-RU" dirty="0"/>
           </a:p>
         </p:txBody>
       </p:sp>
@@ -5959,11 +6615,7 @@
           <a:p>
             <a:r>
               <a:rPr lang="ru-RU" sz="2400" dirty="0" smtClean="0"/>
-              <a:t>Внутреннее позиционирование в системах виртуальной и дополненной реальности для виртуальных </a:t>
-            </a:r>
-            <a:r>
-              <a:rPr lang="ru-RU" sz="2400" dirty="0" smtClean="0"/>
-              <a:t>реконструкций</a:t>
+              <a:t>Внутреннее позиционирование в системах виртуальной и дополненной реальности для виртуальных реконструкций</a:t>
             </a:r>
           </a:p>
         </p:txBody>
@@ -6025,6 +6677,887 @@
       </p:par>
     </p:tnLst>
   </p:timing>
+</p:sld>
+</file>
+
+<file path=ppt/slides/slide10.xml><?xml version="1.0" encoding="utf-8"?>
+<p:sld xmlns:a="http://schemas.openxmlformats.org/drawingml/2006/main" xmlns:r="http://schemas.openxmlformats.org/officeDocument/2006/relationships" xmlns:p="http://schemas.openxmlformats.org/presentationml/2006/main">
+  <p:cSld>
+    <p:spTree>
+      <p:nvGrpSpPr>
+        <p:cNvPr id="1" name=""/>
+        <p:cNvGrpSpPr/>
+        <p:nvPr/>
+      </p:nvGrpSpPr>
+      <p:grpSpPr>
+        <a:xfrm>
+          <a:off x="0" y="0"/>
+          <a:ext cx="0" cy="0"/>
+          <a:chOff x="0" y="0"/>
+          <a:chExt cx="0" cy="0"/>
+        </a:xfrm>
+      </p:grpSpPr>
+      <p:sp>
+        <p:nvSpPr>
+          <p:cNvPr id="2" name="Заголовок 1"/>
+          <p:cNvSpPr>
+            <a:spLocks noGrp="1"/>
+          </p:cNvSpPr>
+          <p:nvPr>
+            <p:ph type="title"/>
+          </p:nvPr>
+        </p:nvSpPr>
+        <p:spPr/>
+        <p:txBody>
+          <a:bodyPr>
+            <a:normAutofit fontScale="90000"/>
+          </a:bodyPr>
+          <a:lstStyle/>
+          <a:p>
+            <a:r>
+              <a:rPr lang="ru-RU" dirty="0" smtClean="0"/>
+              <a:t>Внутреннее позиционирование</a:t>
+            </a:r>
+            <a:endParaRPr lang="ru-RU" dirty="0"/>
+          </a:p>
+        </p:txBody>
+      </p:sp>
+      <p:sp>
+        <p:nvSpPr>
+          <p:cNvPr id="3" name="Содержимое 2"/>
+          <p:cNvSpPr>
+            <a:spLocks noGrp="1"/>
+          </p:cNvSpPr>
+          <p:nvPr>
+            <p:ph idx="1"/>
+          </p:nvPr>
+        </p:nvSpPr>
+        <p:spPr/>
+        <p:txBody>
+          <a:bodyPr/>
+          <a:lstStyle/>
+          <a:p>
+            <a:r>
+              <a:rPr lang="ru-RU" dirty="0" smtClean="0"/>
+              <a:t>Результаты (2 вар. </a:t>
+            </a:r>
+            <a:r>
+              <a:rPr lang="ru-RU" dirty="0" err="1" smtClean="0"/>
+              <a:t>Калман</a:t>
+            </a:r>
+            <a:r>
+              <a:rPr lang="ru-RU" dirty="0" smtClean="0"/>
+              <a:t>)</a:t>
+            </a:r>
+            <a:endParaRPr lang="ru-RU" dirty="0"/>
+          </a:p>
+        </p:txBody>
+      </p:sp>
+      <p:sp>
+        <p:nvSpPr>
+          <p:cNvPr id="4" name="Номер слайда 3"/>
+          <p:cNvSpPr>
+            <a:spLocks noGrp="1"/>
+          </p:cNvSpPr>
+          <p:nvPr>
+            <p:ph type="sldNum" sz="quarter" idx="12"/>
+          </p:nvPr>
+        </p:nvSpPr>
+        <p:spPr/>
+        <p:txBody>
+          <a:bodyPr/>
+          <a:lstStyle/>
+          <a:p>
+            <a:fld id="{725C68B6-61C2-468F-89AB-4B9F7531AA68}" type="slidenum">
+              <a:rPr lang="ru-RU" smtClean="0"/>
+              <a:pPr/>
+              <a:t>10</a:t>
+            </a:fld>
+            <a:endParaRPr lang="ru-RU"/>
+          </a:p>
+        </p:txBody>
+      </p:sp>
+      <p:sp>
+        <p:nvSpPr>
+          <p:cNvPr id="5" name="Дата 4"/>
+          <p:cNvSpPr>
+            <a:spLocks noGrp="1"/>
+          </p:cNvSpPr>
+          <p:nvPr>
+            <p:ph type="dt" sz="half" idx="10"/>
+          </p:nvPr>
+        </p:nvSpPr>
+        <p:spPr/>
+        <p:txBody>
+          <a:bodyPr/>
+          <a:lstStyle/>
+          <a:p>
+            <a:r>
+              <a:rPr lang="ru-RU" smtClean="0"/>
+              <a:t>23.05.2017</a:t>
+            </a:r>
+            <a:endParaRPr lang="ru-RU"/>
+          </a:p>
+        </p:txBody>
+      </p:sp>
+      <p:sp>
+        <p:nvSpPr>
+          <p:cNvPr id="6" name="Нижний колонтитул 5"/>
+          <p:cNvSpPr>
+            <a:spLocks noGrp="1"/>
+          </p:cNvSpPr>
+          <p:nvPr>
+            <p:ph type="ftr" sz="quarter" idx="11"/>
+          </p:nvPr>
+        </p:nvSpPr>
+        <p:spPr/>
+        <p:txBody>
+          <a:bodyPr/>
+          <a:lstStyle/>
+          <a:p>
+            <a:r>
+              <a:rPr lang="ru-RU" smtClean="0"/>
+              <a:t>Санкт-Петербург 2017</a:t>
+            </a:r>
+            <a:endParaRPr lang="ru-RU"/>
+          </a:p>
+        </p:txBody>
+      </p:sp>
+      <p:pic>
+        <p:nvPicPr>
+          <p:cNvPr id="3074" name="Picture 2"/>
+          <p:cNvPicPr>
+            <a:picLocks noChangeAspect="1" noChangeArrowheads="1"/>
+          </p:cNvPicPr>
+          <p:nvPr/>
+        </p:nvPicPr>
+        <p:blipFill>
+          <a:blip r:embed="rId3"/>
+          <a:srcRect/>
+          <a:stretch>
+            <a:fillRect/>
+          </a:stretch>
+        </p:blipFill>
+        <p:spPr bwMode="auto">
+          <a:xfrm>
+            <a:off x="357158" y="3071810"/>
+            <a:ext cx="8143932" cy="3041006"/>
+          </a:xfrm>
+          <a:prstGeom prst="rect">
+            <a:avLst/>
+          </a:prstGeom>
+          <a:noFill/>
+          <a:ln w="9525">
+            <a:noFill/>
+            <a:miter lim="800000"/>
+            <a:headEnd/>
+            <a:tailEnd/>
+          </a:ln>
+          <a:effectLst/>
+        </p:spPr>
+      </p:pic>
+    </p:spTree>
+  </p:cSld>
+  <p:clrMapOvr>
+    <a:masterClrMapping/>
+  </p:clrMapOvr>
+</p:sld>
+</file>
+
+<file path=ppt/slides/slide11.xml><?xml version="1.0" encoding="utf-8"?>
+<p:sld xmlns:a="http://schemas.openxmlformats.org/drawingml/2006/main" xmlns:r="http://schemas.openxmlformats.org/officeDocument/2006/relationships" xmlns:p="http://schemas.openxmlformats.org/presentationml/2006/main">
+  <p:cSld>
+    <p:spTree>
+      <p:nvGrpSpPr>
+        <p:cNvPr id="1" name=""/>
+        <p:cNvGrpSpPr/>
+        <p:nvPr/>
+      </p:nvGrpSpPr>
+      <p:grpSpPr>
+        <a:xfrm>
+          <a:off x="0" y="0"/>
+          <a:ext cx="0" cy="0"/>
+          <a:chOff x="0" y="0"/>
+          <a:chExt cx="0" cy="0"/>
+        </a:xfrm>
+      </p:grpSpPr>
+      <p:sp>
+        <p:nvSpPr>
+          <p:cNvPr id="2" name="Заголовок 1"/>
+          <p:cNvSpPr>
+            <a:spLocks noGrp="1"/>
+          </p:cNvSpPr>
+          <p:nvPr>
+            <p:ph type="title"/>
+          </p:nvPr>
+        </p:nvSpPr>
+        <p:spPr/>
+        <p:txBody>
+          <a:bodyPr>
+            <a:normAutofit fontScale="90000"/>
+          </a:bodyPr>
+          <a:lstStyle/>
+          <a:p>
+            <a:r>
+              <a:rPr lang="ru-RU" dirty="0" smtClean="0"/>
+              <a:t>Внутреннее позиционирование</a:t>
+            </a:r>
+            <a:endParaRPr lang="ru-RU" dirty="0"/>
+          </a:p>
+        </p:txBody>
+      </p:sp>
+      <p:sp>
+        <p:nvSpPr>
+          <p:cNvPr id="3" name="Содержимое 2"/>
+          <p:cNvSpPr>
+            <a:spLocks noGrp="1"/>
+          </p:cNvSpPr>
+          <p:nvPr>
+            <p:ph idx="1"/>
+          </p:nvPr>
+        </p:nvSpPr>
+        <p:spPr/>
+        <p:txBody>
+          <a:bodyPr/>
+          <a:lstStyle/>
+          <a:p>
+            <a:r>
+              <a:rPr lang="ru-RU" dirty="0" smtClean="0"/>
+              <a:t>Результаты (3 вар.)</a:t>
+            </a:r>
+            <a:endParaRPr lang="ru-RU" dirty="0"/>
+          </a:p>
+        </p:txBody>
+      </p:sp>
+      <p:sp>
+        <p:nvSpPr>
+          <p:cNvPr id="4" name="Номер слайда 3"/>
+          <p:cNvSpPr>
+            <a:spLocks noGrp="1"/>
+          </p:cNvSpPr>
+          <p:nvPr>
+            <p:ph type="sldNum" sz="quarter" idx="12"/>
+          </p:nvPr>
+        </p:nvSpPr>
+        <p:spPr/>
+        <p:txBody>
+          <a:bodyPr/>
+          <a:lstStyle/>
+          <a:p>
+            <a:fld id="{725C68B6-61C2-468F-89AB-4B9F7531AA68}" type="slidenum">
+              <a:rPr lang="ru-RU" smtClean="0"/>
+              <a:pPr/>
+              <a:t>11</a:t>
+            </a:fld>
+            <a:endParaRPr lang="ru-RU"/>
+          </a:p>
+        </p:txBody>
+      </p:sp>
+      <p:sp>
+        <p:nvSpPr>
+          <p:cNvPr id="5" name="Дата 4"/>
+          <p:cNvSpPr>
+            <a:spLocks noGrp="1"/>
+          </p:cNvSpPr>
+          <p:nvPr>
+            <p:ph type="dt" sz="half" idx="10"/>
+          </p:nvPr>
+        </p:nvSpPr>
+        <p:spPr/>
+        <p:txBody>
+          <a:bodyPr/>
+          <a:lstStyle/>
+          <a:p>
+            <a:r>
+              <a:rPr lang="ru-RU" smtClean="0"/>
+              <a:t>23.05.2017</a:t>
+            </a:r>
+            <a:endParaRPr lang="ru-RU"/>
+          </a:p>
+        </p:txBody>
+      </p:sp>
+      <p:sp>
+        <p:nvSpPr>
+          <p:cNvPr id="6" name="Нижний колонтитул 5"/>
+          <p:cNvSpPr>
+            <a:spLocks noGrp="1"/>
+          </p:cNvSpPr>
+          <p:nvPr>
+            <p:ph type="ftr" sz="quarter" idx="11"/>
+          </p:nvPr>
+        </p:nvSpPr>
+        <p:spPr/>
+        <p:txBody>
+          <a:bodyPr/>
+          <a:lstStyle/>
+          <a:p>
+            <a:r>
+              <a:rPr lang="ru-RU" smtClean="0"/>
+              <a:t>Санкт-Петербург 2017</a:t>
+            </a:r>
+            <a:endParaRPr lang="ru-RU"/>
+          </a:p>
+        </p:txBody>
+      </p:sp>
+      <p:pic>
+        <p:nvPicPr>
+          <p:cNvPr id="3074" name="Picture 2"/>
+          <p:cNvPicPr>
+            <a:picLocks noChangeAspect="1" noChangeArrowheads="1"/>
+          </p:cNvPicPr>
+          <p:nvPr/>
+        </p:nvPicPr>
+        <p:blipFill>
+          <a:blip r:embed="rId3"/>
+          <a:srcRect/>
+          <a:stretch>
+            <a:fillRect/>
+          </a:stretch>
+        </p:blipFill>
+        <p:spPr bwMode="auto">
+          <a:xfrm>
+            <a:off x="357158" y="3071810"/>
+            <a:ext cx="8143932" cy="3041006"/>
+          </a:xfrm>
+          <a:prstGeom prst="rect">
+            <a:avLst/>
+          </a:prstGeom>
+          <a:noFill/>
+          <a:ln w="9525">
+            <a:noFill/>
+            <a:miter lim="800000"/>
+            <a:headEnd/>
+            <a:tailEnd/>
+          </a:ln>
+          <a:effectLst/>
+        </p:spPr>
+      </p:pic>
+    </p:spTree>
+  </p:cSld>
+  <p:clrMapOvr>
+    <a:masterClrMapping/>
+  </p:clrMapOvr>
+</p:sld>
+</file>
+
+<file path=ppt/slides/slide12.xml><?xml version="1.0" encoding="utf-8"?>
+<p:sld xmlns:a="http://schemas.openxmlformats.org/drawingml/2006/main" xmlns:r="http://schemas.openxmlformats.org/officeDocument/2006/relationships" xmlns:p="http://schemas.openxmlformats.org/presentationml/2006/main">
+  <p:cSld>
+    <p:spTree>
+      <p:nvGrpSpPr>
+        <p:cNvPr id="1" name=""/>
+        <p:cNvGrpSpPr/>
+        <p:nvPr/>
+      </p:nvGrpSpPr>
+      <p:grpSpPr>
+        <a:xfrm>
+          <a:off x="0" y="0"/>
+          <a:ext cx="0" cy="0"/>
+          <a:chOff x="0" y="0"/>
+          <a:chExt cx="0" cy="0"/>
+        </a:xfrm>
+      </p:grpSpPr>
+      <p:sp>
+        <p:nvSpPr>
+          <p:cNvPr id="2" name="Заголовок 1"/>
+          <p:cNvSpPr>
+            <a:spLocks noGrp="1"/>
+          </p:cNvSpPr>
+          <p:nvPr>
+            <p:ph type="title"/>
+          </p:nvPr>
+        </p:nvSpPr>
+        <p:spPr/>
+        <p:txBody>
+          <a:bodyPr>
+            <a:normAutofit fontScale="90000"/>
+          </a:bodyPr>
+          <a:lstStyle/>
+          <a:p>
+            <a:r>
+              <a:rPr lang="ru-RU" dirty="0" smtClean="0"/>
+              <a:t>Внутреннее позиционирование</a:t>
+            </a:r>
+            <a:endParaRPr lang="ru-RU" dirty="0"/>
+          </a:p>
+        </p:txBody>
+      </p:sp>
+      <p:sp>
+        <p:nvSpPr>
+          <p:cNvPr id="3" name="Содержимое 2"/>
+          <p:cNvSpPr>
+            <a:spLocks noGrp="1"/>
+          </p:cNvSpPr>
+          <p:nvPr>
+            <p:ph idx="1"/>
+          </p:nvPr>
+        </p:nvSpPr>
+        <p:spPr/>
+        <p:txBody>
+          <a:bodyPr/>
+          <a:lstStyle/>
+          <a:p>
+            <a:r>
+              <a:rPr lang="ru-RU" dirty="0" smtClean="0"/>
+              <a:t>Результаты (3 вар. </a:t>
+            </a:r>
+            <a:r>
+              <a:rPr lang="ru-RU" dirty="0" err="1" smtClean="0"/>
+              <a:t>Калман</a:t>
+            </a:r>
+            <a:r>
+              <a:rPr lang="ru-RU" dirty="0" smtClean="0"/>
+              <a:t>)</a:t>
+            </a:r>
+            <a:endParaRPr lang="ru-RU" dirty="0"/>
+          </a:p>
+        </p:txBody>
+      </p:sp>
+      <p:sp>
+        <p:nvSpPr>
+          <p:cNvPr id="4" name="Номер слайда 3"/>
+          <p:cNvSpPr>
+            <a:spLocks noGrp="1"/>
+          </p:cNvSpPr>
+          <p:nvPr>
+            <p:ph type="sldNum" sz="quarter" idx="12"/>
+          </p:nvPr>
+        </p:nvSpPr>
+        <p:spPr/>
+        <p:txBody>
+          <a:bodyPr/>
+          <a:lstStyle/>
+          <a:p>
+            <a:fld id="{725C68B6-61C2-468F-89AB-4B9F7531AA68}" type="slidenum">
+              <a:rPr lang="ru-RU" smtClean="0"/>
+              <a:pPr/>
+              <a:t>12</a:t>
+            </a:fld>
+            <a:endParaRPr lang="ru-RU"/>
+          </a:p>
+        </p:txBody>
+      </p:sp>
+      <p:sp>
+        <p:nvSpPr>
+          <p:cNvPr id="5" name="Дата 4"/>
+          <p:cNvSpPr>
+            <a:spLocks noGrp="1"/>
+          </p:cNvSpPr>
+          <p:nvPr>
+            <p:ph type="dt" sz="half" idx="10"/>
+          </p:nvPr>
+        </p:nvSpPr>
+        <p:spPr/>
+        <p:txBody>
+          <a:bodyPr/>
+          <a:lstStyle/>
+          <a:p>
+            <a:r>
+              <a:rPr lang="ru-RU" smtClean="0"/>
+              <a:t>23.05.2017</a:t>
+            </a:r>
+            <a:endParaRPr lang="ru-RU"/>
+          </a:p>
+        </p:txBody>
+      </p:sp>
+      <p:sp>
+        <p:nvSpPr>
+          <p:cNvPr id="6" name="Нижний колонтитул 5"/>
+          <p:cNvSpPr>
+            <a:spLocks noGrp="1"/>
+          </p:cNvSpPr>
+          <p:nvPr>
+            <p:ph type="ftr" sz="quarter" idx="11"/>
+          </p:nvPr>
+        </p:nvSpPr>
+        <p:spPr/>
+        <p:txBody>
+          <a:bodyPr/>
+          <a:lstStyle/>
+          <a:p>
+            <a:r>
+              <a:rPr lang="ru-RU" smtClean="0"/>
+              <a:t>Санкт-Петербург 2017</a:t>
+            </a:r>
+            <a:endParaRPr lang="ru-RU"/>
+          </a:p>
+        </p:txBody>
+      </p:sp>
+      <p:pic>
+        <p:nvPicPr>
+          <p:cNvPr id="3074" name="Picture 2"/>
+          <p:cNvPicPr>
+            <a:picLocks noChangeAspect="1" noChangeArrowheads="1"/>
+          </p:cNvPicPr>
+          <p:nvPr/>
+        </p:nvPicPr>
+        <p:blipFill>
+          <a:blip r:embed="rId3"/>
+          <a:srcRect/>
+          <a:stretch>
+            <a:fillRect/>
+          </a:stretch>
+        </p:blipFill>
+        <p:spPr bwMode="auto">
+          <a:xfrm>
+            <a:off x="357158" y="3071810"/>
+            <a:ext cx="8143932" cy="3041006"/>
+          </a:xfrm>
+          <a:prstGeom prst="rect">
+            <a:avLst/>
+          </a:prstGeom>
+          <a:noFill/>
+          <a:ln w="9525">
+            <a:noFill/>
+            <a:miter lim="800000"/>
+            <a:headEnd/>
+            <a:tailEnd/>
+          </a:ln>
+          <a:effectLst/>
+        </p:spPr>
+      </p:pic>
+    </p:spTree>
+  </p:cSld>
+  <p:clrMapOvr>
+    <a:masterClrMapping/>
+  </p:clrMapOvr>
+</p:sld>
+</file>
+
+<file path=ppt/slides/slide13.xml><?xml version="1.0" encoding="utf-8"?>
+<p:sld xmlns:a="http://schemas.openxmlformats.org/drawingml/2006/main" xmlns:r="http://schemas.openxmlformats.org/officeDocument/2006/relationships" xmlns:p="http://schemas.openxmlformats.org/presentationml/2006/main">
+  <p:cSld>
+    <p:spTree>
+      <p:nvGrpSpPr>
+        <p:cNvPr id="1" name=""/>
+        <p:cNvGrpSpPr/>
+        <p:nvPr/>
+      </p:nvGrpSpPr>
+      <p:grpSpPr>
+        <a:xfrm>
+          <a:off x="0" y="0"/>
+          <a:ext cx="0" cy="0"/>
+          <a:chOff x="0" y="0"/>
+          <a:chExt cx="0" cy="0"/>
+        </a:xfrm>
+      </p:grpSpPr>
+      <p:sp>
+        <p:nvSpPr>
+          <p:cNvPr id="2" name="Заголовок 1"/>
+          <p:cNvSpPr>
+            <a:spLocks noGrp="1"/>
+          </p:cNvSpPr>
+          <p:nvPr>
+            <p:ph type="title"/>
+          </p:nvPr>
+        </p:nvSpPr>
+        <p:spPr/>
+        <p:txBody>
+          <a:bodyPr/>
+          <a:lstStyle/>
+          <a:p>
+            <a:r>
+              <a:rPr lang="ru-RU" dirty="0" smtClean="0"/>
+              <a:t>Заключение</a:t>
+            </a:r>
+            <a:endParaRPr lang="ru-RU" dirty="0"/>
+          </a:p>
+        </p:txBody>
+      </p:sp>
+      <p:sp>
+        <p:nvSpPr>
+          <p:cNvPr id="3" name="Содержимое 2"/>
+          <p:cNvSpPr>
+            <a:spLocks noGrp="1"/>
+          </p:cNvSpPr>
+          <p:nvPr>
+            <p:ph idx="1"/>
+          </p:nvPr>
+        </p:nvSpPr>
+        <p:spPr/>
+        <p:txBody>
+          <a:bodyPr/>
+          <a:lstStyle/>
+          <a:p>
+            <a:r>
+              <a:rPr lang="ru-RU" dirty="0" smtClean="0"/>
+              <a:t>Что может быть применено для улучшения?</a:t>
+            </a:r>
+          </a:p>
+          <a:p>
+            <a:pPr lvl="1"/>
+            <a:r>
+              <a:rPr lang="ru-RU" dirty="0" smtClean="0"/>
+              <a:t>Количество точек </a:t>
+            </a:r>
+            <a:r>
+              <a:rPr lang="ru-RU" dirty="0" smtClean="0"/>
+              <a:t>доступа</a:t>
+            </a:r>
+          </a:p>
+          <a:p>
+            <a:pPr lvl="1"/>
+            <a:r>
+              <a:rPr lang="ru-RU" dirty="0" smtClean="0"/>
+              <a:t>Использование </a:t>
+            </a:r>
+            <a:r>
+              <a:rPr lang="ru-RU" dirty="0" smtClean="0"/>
+              <a:t>данных со сторонних точек доступа</a:t>
+            </a:r>
+            <a:endParaRPr lang="ru-RU" dirty="0"/>
+          </a:p>
+        </p:txBody>
+      </p:sp>
+      <p:sp>
+        <p:nvSpPr>
+          <p:cNvPr id="4" name="Дата 3"/>
+          <p:cNvSpPr>
+            <a:spLocks noGrp="1"/>
+          </p:cNvSpPr>
+          <p:nvPr>
+            <p:ph type="dt" sz="half" idx="10"/>
+          </p:nvPr>
+        </p:nvSpPr>
+        <p:spPr/>
+        <p:txBody>
+          <a:bodyPr/>
+          <a:lstStyle/>
+          <a:p>
+            <a:r>
+              <a:rPr lang="ru-RU" smtClean="0"/>
+              <a:t>23.05.2017</a:t>
+            </a:r>
+            <a:endParaRPr lang="ru-RU"/>
+          </a:p>
+        </p:txBody>
+      </p:sp>
+      <p:sp>
+        <p:nvSpPr>
+          <p:cNvPr id="5" name="Нижний колонтитул 4"/>
+          <p:cNvSpPr>
+            <a:spLocks noGrp="1"/>
+          </p:cNvSpPr>
+          <p:nvPr>
+            <p:ph type="ftr" sz="quarter" idx="11"/>
+          </p:nvPr>
+        </p:nvSpPr>
+        <p:spPr/>
+        <p:txBody>
+          <a:bodyPr/>
+          <a:lstStyle/>
+          <a:p>
+            <a:r>
+              <a:rPr lang="ru-RU" smtClean="0"/>
+              <a:t>Санкт-Петербург 2017</a:t>
+            </a:r>
+            <a:endParaRPr lang="ru-RU"/>
+          </a:p>
+        </p:txBody>
+      </p:sp>
+      <p:sp>
+        <p:nvSpPr>
+          <p:cNvPr id="6" name="Номер слайда 5"/>
+          <p:cNvSpPr>
+            <a:spLocks noGrp="1"/>
+          </p:cNvSpPr>
+          <p:nvPr>
+            <p:ph type="sldNum" sz="quarter" idx="12"/>
+          </p:nvPr>
+        </p:nvSpPr>
+        <p:spPr/>
+        <p:txBody>
+          <a:bodyPr/>
+          <a:lstStyle/>
+          <a:p>
+            <a:fld id="{725C68B6-61C2-468F-89AB-4B9F7531AA68}" type="slidenum">
+              <a:rPr lang="ru-RU" smtClean="0"/>
+              <a:pPr/>
+              <a:t>13</a:t>
+            </a:fld>
+            <a:endParaRPr lang="ru-RU"/>
+          </a:p>
+        </p:txBody>
+      </p:sp>
+    </p:spTree>
+  </p:cSld>
+  <p:clrMapOvr>
+    <a:masterClrMapping/>
+  </p:clrMapOvr>
+</p:sld>
+</file>
+
+<file path=ppt/slides/slide14.xml><?xml version="1.0" encoding="utf-8"?>
+<p:sld xmlns:a="http://schemas.openxmlformats.org/drawingml/2006/main" xmlns:r="http://schemas.openxmlformats.org/officeDocument/2006/relationships" xmlns:p="http://schemas.openxmlformats.org/presentationml/2006/main">
+  <p:cSld>
+    <p:spTree>
+      <p:nvGrpSpPr>
+        <p:cNvPr id="1" name=""/>
+        <p:cNvGrpSpPr/>
+        <p:nvPr/>
+      </p:nvGrpSpPr>
+      <p:grpSpPr>
+        <a:xfrm>
+          <a:off x="0" y="0"/>
+          <a:ext cx="0" cy="0"/>
+          <a:chOff x="0" y="0"/>
+          <a:chExt cx="0" cy="0"/>
+        </a:xfrm>
+      </p:grpSpPr>
+      <p:sp>
+        <p:nvSpPr>
+          <p:cNvPr id="2" name="Заголовок 1"/>
+          <p:cNvSpPr>
+            <a:spLocks noGrp="1"/>
+          </p:cNvSpPr>
+          <p:nvPr>
+            <p:ph type="title"/>
+          </p:nvPr>
+        </p:nvSpPr>
+        <p:spPr/>
+        <p:txBody>
+          <a:bodyPr/>
+          <a:lstStyle/>
+          <a:p>
+            <a:r>
+              <a:rPr lang="ru-RU" dirty="0" smtClean="0"/>
+              <a:t>Заключение</a:t>
+            </a:r>
+            <a:endParaRPr lang="ru-RU" dirty="0"/>
+          </a:p>
+        </p:txBody>
+      </p:sp>
+      <p:sp>
+        <p:nvSpPr>
+          <p:cNvPr id="3" name="Содержимое 2"/>
+          <p:cNvSpPr>
+            <a:spLocks noGrp="1"/>
+          </p:cNvSpPr>
+          <p:nvPr>
+            <p:ph idx="1"/>
+          </p:nvPr>
+        </p:nvSpPr>
+        <p:spPr/>
+        <p:txBody>
+          <a:bodyPr>
+            <a:normAutofit/>
+          </a:bodyPr>
+          <a:lstStyle/>
+          <a:p>
+            <a:r>
+              <a:rPr lang="ru-RU" dirty="0" smtClean="0"/>
+              <a:t>Для чего это нужно?</a:t>
+            </a:r>
+          </a:p>
+          <a:p>
+            <a:r>
+              <a:rPr lang="ru-RU" dirty="0" smtClean="0"/>
+              <a:t>Для чего это может понадобиться?</a:t>
+            </a:r>
+          </a:p>
+          <a:p>
+            <a:endParaRPr lang="ru-RU" dirty="0" smtClean="0"/>
+          </a:p>
+          <a:p>
+            <a:r>
+              <a:rPr lang="ru-RU" dirty="0" smtClean="0"/>
+              <a:t>Грант № 17-04-12034, </a:t>
+            </a:r>
+            <a:r>
+              <a:rPr lang="ru-RU" dirty="0" err="1" smtClean="0"/>
+              <a:t>Мультимедийная</a:t>
+            </a:r>
+            <a:r>
+              <a:rPr lang="ru-RU" dirty="0" smtClean="0"/>
+              <a:t> информационная система «Архитектурно-художественный комплекс </a:t>
+            </a:r>
+            <a:r>
+              <a:rPr lang="ru-RU" dirty="0" err="1" smtClean="0"/>
+              <a:t>Феодоровский</a:t>
+            </a:r>
+            <a:r>
+              <a:rPr lang="ru-RU" dirty="0" smtClean="0"/>
+              <a:t> городок в Царском селе как пример Русского стиля» </a:t>
+            </a:r>
+            <a:endParaRPr lang="ru-RU" dirty="0"/>
+          </a:p>
+        </p:txBody>
+      </p:sp>
+      <p:sp>
+        <p:nvSpPr>
+          <p:cNvPr id="4" name="Номер слайда 3"/>
+          <p:cNvSpPr>
+            <a:spLocks noGrp="1"/>
+          </p:cNvSpPr>
+          <p:nvPr>
+            <p:ph type="sldNum" sz="quarter" idx="12"/>
+          </p:nvPr>
+        </p:nvSpPr>
+        <p:spPr/>
+        <p:txBody>
+          <a:bodyPr/>
+          <a:lstStyle/>
+          <a:p>
+            <a:fld id="{725C68B6-61C2-468F-89AB-4B9F7531AA68}" type="slidenum">
+              <a:rPr lang="ru-RU" smtClean="0"/>
+              <a:pPr/>
+              <a:t>14</a:t>
+            </a:fld>
+            <a:endParaRPr lang="ru-RU"/>
+          </a:p>
+        </p:txBody>
+      </p:sp>
+      <p:sp>
+        <p:nvSpPr>
+          <p:cNvPr id="5" name="Дата 4"/>
+          <p:cNvSpPr>
+            <a:spLocks noGrp="1"/>
+          </p:cNvSpPr>
+          <p:nvPr>
+            <p:ph type="dt" sz="half" idx="10"/>
+          </p:nvPr>
+        </p:nvSpPr>
+        <p:spPr/>
+        <p:txBody>
+          <a:bodyPr/>
+          <a:lstStyle/>
+          <a:p>
+            <a:r>
+              <a:rPr lang="ru-RU" smtClean="0"/>
+              <a:t>23.05.2017</a:t>
+            </a:r>
+            <a:endParaRPr lang="ru-RU"/>
+          </a:p>
+        </p:txBody>
+      </p:sp>
+      <p:sp>
+        <p:nvSpPr>
+          <p:cNvPr id="6" name="Нижний колонтитул 5"/>
+          <p:cNvSpPr>
+            <a:spLocks noGrp="1"/>
+          </p:cNvSpPr>
+          <p:nvPr>
+            <p:ph type="ftr" sz="quarter" idx="11"/>
+          </p:nvPr>
+        </p:nvSpPr>
+        <p:spPr/>
+        <p:txBody>
+          <a:bodyPr/>
+          <a:lstStyle/>
+          <a:p>
+            <a:r>
+              <a:rPr lang="ru-RU" smtClean="0"/>
+              <a:t>Санкт-Петербург 2017</a:t>
+            </a:r>
+            <a:endParaRPr lang="ru-RU"/>
+          </a:p>
+        </p:txBody>
+      </p:sp>
+    </p:spTree>
+  </p:cSld>
+  <p:clrMapOvr>
+    <a:masterClrMapping/>
+  </p:clrMapOvr>
 </p:sld>
 </file>
 
@@ -6083,14 +7616,22 @@
         <p:spPr/>
         <p:txBody>
           <a:bodyPr>
-            <a:normAutofit fontScale="92500"/>
+            <a:normAutofit fontScale="92500" lnSpcReduction="10000"/>
           </a:bodyPr>
           <a:lstStyle/>
           <a:p>
             <a:pPr algn="ctr"/>
             <a:r>
               <a:rPr lang="ru-RU" dirty="0" smtClean="0"/>
-              <a:t>Виртуальная реальность</a:t>
+              <a:t>Виртуальная</a:t>
+            </a:r>
+            <a:endParaRPr lang="en-US" dirty="0" smtClean="0"/>
+          </a:p>
+          <a:p>
+            <a:pPr algn="ctr"/>
+            <a:r>
+              <a:rPr lang="ru-RU" dirty="0" smtClean="0"/>
+              <a:t>реальность</a:t>
             </a:r>
             <a:endParaRPr lang="ru-RU" dirty="0"/>
           </a:p>
@@ -6098,25 +7639,22 @@
       </p:sp>
       <p:sp>
         <p:nvSpPr>
-          <p:cNvPr id="12" name="Текст 11"/>
-          <p:cNvSpPr>
-            <a:spLocks noGrp="1"/>
-          </p:cNvSpPr>
-          <p:nvPr>
-            <p:ph type="body" sz="quarter" idx="3"/>
-          </p:nvPr>
-        </p:nvSpPr>
-        <p:spPr/>
-        <p:txBody>
-          <a:bodyPr>
-            <a:normAutofit fontScale="92500"/>
-          </a:bodyPr>
-          <a:lstStyle/>
-          <a:p>
-            <a:pPr algn="ctr"/>
+          <p:cNvPr id="7" name="Дата 6"/>
+          <p:cNvSpPr>
+            <a:spLocks noGrp="1"/>
+          </p:cNvSpPr>
+          <p:nvPr>
+            <p:ph type="dt" sz="half" idx="10"/>
+          </p:nvPr>
+        </p:nvSpPr>
+        <p:spPr/>
+        <p:txBody>
+          <a:bodyPr/>
+          <a:lstStyle/>
+          <a:p>
             <a:r>
               <a:rPr lang="ru-RU" dirty="0" smtClean="0"/>
-              <a:t>Дополненная реальность</a:t>
+              <a:t>23.05.2017</a:t>
             </a:r>
             <a:endParaRPr lang="ru-RU" dirty="0"/>
           </a:p>
@@ -6124,12 +7662,12 @@
       </p:sp>
       <p:sp>
         <p:nvSpPr>
-          <p:cNvPr id="7" name="Дата 6"/>
-          <p:cNvSpPr>
-            <a:spLocks noGrp="1"/>
-          </p:cNvSpPr>
-          <p:nvPr>
-            <p:ph type="dt" sz="half" idx="10"/>
+          <p:cNvPr id="9" name="Нижний колонтитул 8"/>
+          <p:cNvSpPr>
+            <a:spLocks noGrp="1"/>
+          </p:cNvSpPr>
+          <p:nvPr>
+            <p:ph type="ftr" sz="quarter" idx="11"/>
           </p:nvPr>
         </p:nvSpPr>
         <p:spPr/>
@@ -6138,33 +7676,10 @@
           <a:lstStyle/>
           <a:p>
             <a:r>
-              <a:rPr lang="ru-RU" smtClean="0"/>
-              <a:t>23.05.2017</a:t>
-            </a:r>
-            <a:endParaRPr lang="ru-RU"/>
-          </a:p>
-        </p:txBody>
-      </p:sp>
-      <p:sp>
-        <p:nvSpPr>
-          <p:cNvPr id="9" name="Нижний колонтитул 8"/>
-          <p:cNvSpPr>
-            <a:spLocks noGrp="1"/>
-          </p:cNvSpPr>
-          <p:nvPr>
-            <p:ph type="ftr" sz="quarter" idx="11"/>
-          </p:nvPr>
-        </p:nvSpPr>
-        <p:spPr/>
-        <p:txBody>
-          <a:bodyPr/>
-          <a:lstStyle/>
-          <a:p>
-            <a:r>
-              <a:rPr lang="ru-RU" smtClean="0"/>
+              <a:rPr lang="ru-RU" dirty="0" smtClean="0"/>
               <a:t>Санкт-Петербург 2017</a:t>
             </a:r>
-            <a:endParaRPr lang="ru-RU"/>
+            <a:endParaRPr lang="ru-RU" dirty="0"/>
           </a:p>
         </p:txBody>
       </p:sp>
@@ -6194,16 +7709,16 @@
       </p:sp>
       <p:pic>
         <p:nvPicPr>
-          <p:cNvPr id="1026" name="Picture 2" descr="D:\Downloads\Virtual-reality-to-become-real-1200x630.jpg"/>
+          <p:cNvPr id="1027" name="Picture 3" descr="D:\Downloads\4-14.jpg"/>
           <p:cNvPicPr>
             <a:picLocks noGrp="1" noChangeAspect="1" noChangeArrowheads="1"/>
           </p:cNvPicPr>
           <p:nvPr>
-            <p:ph sz="quarter" idx="4"/>
+            <p:ph sz="half" idx="2"/>
           </p:nvPr>
         </p:nvPicPr>
         <p:blipFill>
-          <a:blip r:embed="rId3"/>
+          <a:blip r:embed="rId3" cstate="print"/>
           <a:srcRect/>
           <a:stretch>
             <a:fillRect/>
@@ -6211,8 +7726,8 @@
         </p:blipFill>
         <p:spPr bwMode="auto">
           <a:xfrm>
-            <a:off x="4645025" y="2928934"/>
-            <a:ext cx="4041775" cy="2286016"/>
+            <a:off x="510304" y="2935639"/>
+            <a:ext cx="4040188" cy="2272606"/>
           </a:xfrm>
           <a:prstGeom prst="rect">
             <a:avLst/>
@@ -6220,32 +7735,60 @@
           <a:noFill/>
         </p:spPr>
       </p:pic>
+      <p:sp>
+        <p:nvSpPr>
+          <p:cNvPr id="11" name="Текст 10"/>
+          <p:cNvSpPr>
+            <a:spLocks noGrp="1"/>
+          </p:cNvSpPr>
+          <p:nvPr>
+            <p:ph type="body" sz="quarter" idx="3"/>
+          </p:nvPr>
+        </p:nvSpPr>
+        <p:spPr/>
+        <p:txBody>
+          <a:bodyPr>
+            <a:normAutofit fontScale="92500" lnSpcReduction="10000"/>
+          </a:bodyPr>
+          <a:lstStyle/>
+          <a:p>
+            <a:pPr algn="ctr"/>
+            <a:r>
+              <a:rPr lang="ru-RU" dirty="0" smtClean="0"/>
+              <a:t>Виртуальная </a:t>
+            </a:r>
+            <a:r>
+              <a:rPr lang="ru-RU" dirty="0" smtClean="0"/>
+              <a:t>реконструкция</a:t>
+            </a:r>
+            <a:endParaRPr lang="ru-RU" dirty="0" smtClean="0"/>
+          </a:p>
+        </p:txBody>
+      </p:sp>
       <p:pic>
         <p:nvPicPr>
-          <p:cNvPr id="1027" name="Picture 3" descr="D:\Downloads\4-14.jpg"/>
+          <p:cNvPr id="14" name="Содержимое 7" descr="uci8qvl-Oa0.jpg"/>
           <p:cNvPicPr>
-            <a:picLocks noGrp="1" noChangeAspect="1" noChangeArrowheads="1"/>
+            <a:picLocks noGrp="1"/>
           </p:cNvPicPr>
           <p:nvPr>
-            <p:ph sz="half" idx="2"/>
+            <p:ph sz="quarter" idx="4"/>
           </p:nvPr>
         </p:nvPicPr>
         <p:blipFill>
           <a:blip r:embed="rId4" cstate="print"/>
-          <a:srcRect/>
           <a:stretch>
             <a:fillRect/>
           </a:stretch>
         </p:blipFill>
-        <p:spPr bwMode="auto">
+        <p:spPr>
           <a:xfrm>
-            <a:off x="457200" y="2935639"/>
-            <a:ext cx="4040188" cy="2272606"/>
+            <a:off x="4999627" y="2857496"/>
+            <a:ext cx="3572901" cy="2359186"/>
           </a:xfrm>
           <a:prstGeom prst="rect">
             <a:avLst/>
           </a:prstGeom>
-          <a:noFill/>
         </p:spPr>
       </p:pic>
     </p:spTree>
@@ -6307,88 +7850,7 @@
       </p:sp>
       <p:sp>
         <p:nvSpPr>
-          <p:cNvPr id="3" name="Текст 2"/>
-          <p:cNvSpPr>
-            <a:spLocks noGrp="1"/>
-          </p:cNvSpPr>
-          <p:nvPr>
-            <p:ph type="body" idx="1"/>
-          </p:nvPr>
-        </p:nvSpPr>
-        <p:spPr>
-          <a:xfrm>
-            <a:off x="457200" y="1698987"/>
-            <a:ext cx="8258204" cy="715355"/>
-          </a:xfrm>
-        </p:spPr>
-        <p:txBody>
-          <a:bodyPr/>
-          <a:lstStyle/>
-          <a:p>
-            <a:pPr algn="ctr"/>
-            <a:r>
-              <a:rPr lang="ru-RU" dirty="0" smtClean="0"/>
-              <a:t>Виртуальная реконструкция</a:t>
-            </a:r>
-            <a:endParaRPr lang="ru-RU" dirty="0"/>
-          </a:p>
-        </p:txBody>
-      </p:sp>
-      <p:pic>
-        <p:nvPicPr>
-          <p:cNvPr id="7" name="Содержимое 6" descr="EDiZvSTIJi8.jpg"/>
-          <p:cNvPicPr>
-            <a:picLocks noGrp="1"/>
-          </p:cNvPicPr>
-          <p:nvPr>
-            <p:ph sz="half" idx="2"/>
-          </p:nvPr>
-        </p:nvPicPr>
-        <p:blipFill>
-          <a:blip r:embed="rId3"/>
-          <a:stretch>
-            <a:fillRect/>
-          </a:stretch>
-        </p:blipFill>
-        <p:spPr>
-          <a:xfrm>
-            <a:off x="457200" y="2857496"/>
-            <a:ext cx="4040188" cy="2655554"/>
-          </a:xfrm>
-          <a:prstGeom prst="rect">
-            <a:avLst/>
-          </a:prstGeom>
-        </p:spPr>
-      </p:pic>
-      <p:pic>
-        <p:nvPicPr>
-          <p:cNvPr id="8" name="Содержимое 7" descr="uci8qvl-Oa0.jpg"/>
-          <p:cNvPicPr>
-            <a:picLocks noGrp="1"/>
-          </p:cNvPicPr>
-          <p:nvPr>
-            <p:ph sz="quarter" idx="4"/>
-          </p:nvPr>
-        </p:nvPicPr>
-        <p:blipFill>
-          <a:blip r:embed="rId4" cstate="print"/>
-          <a:stretch>
-            <a:fillRect/>
-          </a:stretch>
-        </p:blipFill>
-        <p:spPr>
-          <a:xfrm>
-            <a:off x="4640928" y="2857496"/>
-            <a:ext cx="4003038" cy="2643206"/>
-          </a:xfrm>
-          <a:prstGeom prst="rect">
-            <a:avLst/>
-          </a:prstGeom>
-        </p:spPr>
-      </p:pic>
-      <p:sp>
-        <p:nvSpPr>
-          <p:cNvPr id="9" name="Номер слайда 8"/>
+          <p:cNvPr id="4" name="Номер слайда 3"/>
           <p:cNvSpPr>
             <a:spLocks noGrp="1"/>
           </p:cNvSpPr>
@@ -6405,133 +7867,6 @@
               <a:rPr lang="ru-RU" smtClean="0"/>
               <a:pPr/>
               <a:t>3</a:t>
-            </a:fld>
-            <a:endParaRPr lang="ru-RU"/>
-          </a:p>
-        </p:txBody>
-      </p:sp>
-      <p:sp>
-        <p:nvSpPr>
-          <p:cNvPr id="10" name="Дата 9"/>
-          <p:cNvSpPr>
-            <a:spLocks noGrp="1"/>
-          </p:cNvSpPr>
-          <p:nvPr>
-            <p:ph type="dt" sz="half" idx="10"/>
-          </p:nvPr>
-        </p:nvSpPr>
-        <p:spPr/>
-        <p:txBody>
-          <a:bodyPr/>
-          <a:lstStyle/>
-          <a:p>
-            <a:r>
-              <a:rPr lang="ru-RU" smtClean="0"/>
-              <a:t>23.05.2017</a:t>
-            </a:r>
-            <a:endParaRPr lang="ru-RU"/>
-          </a:p>
-        </p:txBody>
-      </p:sp>
-      <p:sp>
-        <p:nvSpPr>
-          <p:cNvPr id="11" name="Нижний колонтитул 10"/>
-          <p:cNvSpPr>
-            <a:spLocks noGrp="1"/>
-          </p:cNvSpPr>
-          <p:nvPr>
-            <p:ph type="ftr" sz="quarter" idx="11"/>
-          </p:nvPr>
-        </p:nvSpPr>
-        <p:spPr/>
-        <p:txBody>
-          <a:bodyPr/>
-          <a:lstStyle/>
-          <a:p>
-            <a:r>
-              <a:rPr lang="ru-RU" smtClean="0"/>
-              <a:t>Санкт-Петербург 2017</a:t>
-            </a:r>
-            <a:endParaRPr lang="ru-RU"/>
-          </a:p>
-        </p:txBody>
-      </p:sp>
-    </p:spTree>
-  </p:cSld>
-  <p:clrMapOvr>
-    <a:masterClrMapping/>
-  </p:clrMapOvr>
-  <p:timing>
-    <p:tnLst>
-      <p:par>
-        <p:cTn id="1" dur="indefinite" restart="never" nodeType="tmRoot"/>
-      </p:par>
-    </p:tnLst>
-  </p:timing>
-</p:sld>
-</file>
-
-<file path=ppt/slides/slide4.xml><?xml version="1.0" encoding="utf-8"?>
-<p:sld xmlns:a="http://schemas.openxmlformats.org/drawingml/2006/main" xmlns:r="http://schemas.openxmlformats.org/officeDocument/2006/relationships" xmlns:p="http://schemas.openxmlformats.org/presentationml/2006/main">
-  <p:cSld>
-    <p:spTree>
-      <p:nvGrpSpPr>
-        <p:cNvPr id="1" name=""/>
-        <p:cNvGrpSpPr/>
-        <p:nvPr/>
-      </p:nvGrpSpPr>
-      <p:grpSpPr>
-        <a:xfrm>
-          <a:off x="0" y="0"/>
-          <a:ext cx="0" cy="0"/>
-          <a:chOff x="0" y="0"/>
-          <a:chExt cx="0" cy="0"/>
-        </a:xfrm>
-      </p:grpSpPr>
-      <p:sp>
-        <p:nvSpPr>
-          <p:cNvPr id="2" name="Заголовок 1"/>
-          <p:cNvSpPr>
-            <a:spLocks noGrp="1"/>
-          </p:cNvSpPr>
-          <p:nvPr>
-            <p:ph type="title"/>
-          </p:nvPr>
-        </p:nvSpPr>
-        <p:spPr/>
-        <p:txBody>
-          <a:bodyPr>
-            <a:normAutofit fontScale="90000"/>
-          </a:bodyPr>
-          <a:lstStyle/>
-          <a:p>
-            <a:r>
-              <a:rPr lang="ru-RU" dirty="0" smtClean="0"/>
-              <a:t>Внутреннее позиционирование</a:t>
-            </a:r>
-            <a:endParaRPr lang="ru-RU" dirty="0"/>
-          </a:p>
-        </p:txBody>
-      </p:sp>
-      <p:sp>
-        <p:nvSpPr>
-          <p:cNvPr id="4" name="Номер слайда 3"/>
-          <p:cNvSpPr>
-            <a:spLocks noGrp="1"/>
-          </p:cNvSpPr>
-          <p:nvPr>
-            <p:ph type="sldNum" sz="quarter" idx="12"/>
-          </p:nvPr>
-        </p:nvSpPr>
-        <p:spPr/>
-        <p:txBody>
-          <a:bodyPr/>
-          <a:lstStyle/>
-          <a:p>
-            <a:fld id="{725C68B6-61C2-468F-89AB-4B9F7531AA68}" type="slidenum">
-              <a:rPr lang="ru-RU" smtClean="0"/>
-              <a:pPr/>
-              <a:t>4</a:t>
             </a:fld>
             <a:endParaRPr lang="ru-RU"/>
           </a:p>
@@ -6718,7 +8053,7 @@
 </p:sld>
 </file>
 
-<file path=ppt/slides/slide5.xml><?xml version="1.0" encoding="utf-8"?>
+<file path=ppt/slides/slide4.xml><?xml version="1.0" encoding="utf-8"?>
 <p:sld xmlns:a="http://schemas.openxmlformats.org/drawingml/2006/main" xmlns:r="http://schemas.openxmlformats.org/officeDocument/2006/relationships" xmlns:p="http://schemas.openxmlformats.org/presentationml/2006/main">
   <p:cSld>
     <p:spTree>
@@ -6800,7 +8135,7 @@
             <a:fld id="{725C68B6-61C2-468F-89AB-4B9F7531AA68}" type="slidenum">
               <a:rPr lang="ru-RU" smtClean="0"/>
               <a:pPr/>
-              <a:t>5</a:t>
+              <a:t>4</a:t>
             </a:fld>
             <a:endParaRPr lang="ru-RU"/>
           </a:p>
@@ -8159,6 +9494,671 @@
 </p:sld>
 </file>
 
+<file path=ppt/slides/slide5.xml><?xml version="1.0" encoding="utf-8"?>
+<p:sld xmlns:a="http://schemas.openxmlformats.org/drawingml/2006/main" xmlns:r="http://schemas.openxmlformats.org/officeDocument/2006/relationships" xmlns:p="http://schemas.openxmlformats.org/presentationml/2006/main">
+  <p:cSld>
+    <p:spTree>
+      <p:nvGrpSpPr>
+        <p:cNvPr id="1" name=""/>
+        <p:cNvGrpSpPr/>
+        <p:nvPr/>
+      </p:nvGrpSpPr>
+      <p:grpSpPr>
+        <a:xfrm>
+          <a:off x="0" y="0"/>
+          <a:ext cx="0" cy="0"/>
+          <a:chOff x="0" y="0"/>
+          <a:chExt cx="0" cy="0"/>
+        </a:xfrm>
+      </p:grpSpPr>
+      <p:sp>
+        <p:nvSpPr>
+          <p:cNvPr id="2" name="Заголовок 1"/>
+          <p:cNvSpPr>
+            <a:spLocks noGrp="1"/>
+          </p:cNvSpPr>
+          <p:nvPr>
+            <p:ph type="title"/>
+          </p:nvPr>
+        </p:nvSpPr>
+        <p:spPr/>
+        <p:txBody>
+          <a:bodyPr>
+            <a:normAutofit fontScale="90000"/>
+          </a:bodyPr>
+          <a:lstStyle/>
+          <a:p>
+            <a:r>
+              <a:rPr lang="ru-RU" dirty="0" smtClean="0"/>
+              <a:t>Внутреннее позиционирование</a:t>
+            </a:r>
+            <a:endParaRPr lang="ru-RU" dirty="0"/>
+          </a:p>
+        </p:txBody>
+      </p:sp>
+      <p:sp>
+        <p:nvSpPr>
+          <p:cNvPr id="3" name="Содержимое 2"/>
+          <p:cNvSpPr>
+            <a:spLocks noGrp="1"/>
+          </p:cNvSpPr>
+          <p:nvPr>
+            <p:ph idx="1"/>
+          </p:nvPr>
+        </p:nvSpPr>
+        <p:spPr/>
+        <p:txBody>
+          <a:bodyPr/>
+          <a:lstStyle/>
+          <a:p>
+            <a:r>
+              <a:rPr lang="ru-RU" dirty="0" smtClean="0"/>
+              <a:t>Обзор </a:t>
+            </a:r>
+            <a:r>
+              <a:rPr lang="ru-RU" dirty="0" smtClean="0"/>
+              <a:t>методов позиционирования</a:t>
+            </a:r>
+            <a:endParaRPr lang="ru-RU" dirty="0" smtClean="0"/>
+          </a:p>
+        </p:txBody>
+      </p:sp>
+      <p:sp>
+        <p:nvSpPr>
+          <p:cNvPr id="4" name="Номер слайда 3"/>
+          <p:cNvSpPr>
+            <a:spLocks noGrp="1"/>
+          </p:cNvSpPr>
+          <p:nvPr>
+            <p:ph type="sldNum" sz="quarter" idx="12"/>
+          </p:nvPr>
+        </p:nvSpPr>
+        <p:spPr/>
+        <p:txBody>
+          <a:bodyPr/>
+          <a:lstStyle/>
+          <a:p>
+            <a:fld id="{725C68B6-61C2-468F-89AB-4B9F7531AA68}" type="slidenum">
+              <a:rPr lang="ru-RU" smtClean="0"/>
+              <a:pPr/>
+              <a:t>5</a:t>
+            </a:fld>
+            <a:endParaRPr lang="ru-RU"/>
+          </a:p>
+        </p:txBody>
+      </p:sp>
+      <p:sp>
+        <p:nvSpPr>
+          <p:cNvPr id="5" name="Дата 4"/>
+          <p:cNvSpPr>
+            <a:spLocks noGrp="1"/>
+          </p:cNvSpPr>
+          <p:nvPr>
+            <p:ph type="dt" sz="half" idx="10"/>
+          </p:nvPr>
+        </p:nvSpPr>
+        <p:spPr/>
+        <p:txBody>
+          <a:bodyPr/>
+          <a:lstStyle/>
+          <a:p>
+            <a:r>
+              <a:rPr lang="ru-RU" smtClean="0"/>
+              <a:t>23.05.2017</a:t>
+            </a:r>
+            <a:endParaRPr lang="ru-RU"/>
+          </a:p>
+        </p:txBody>
+      </p:sp>
+      <p:sp>
+        <p:nvSpPr>
+          <p:cNvPr id="6" name="Нижний колонтитул 5"/>
+          <p:cNvSpPr>
+            <a:spLocks noGrp="1"/>
+          </p:cNvSpPr>
+          <p:nvPr>
+            <p:ph type="ftr" sz="quarter" idx="11"/>
+          </p:nvPr>
+        </p:nvSpPr>
+        <p:spPr/>
+        <p:txBody>
+          <a:bodyPr/>
+          <a:lstStyle/>
+          <a:p>
+            <a:r>
+              <a:rPr lang="ru-RU" smtClean="0"/>
+              <a:t>Санкт-Петербург 2017</a:t>
+            </a:r>
+            <a:endParaRPr lang="ru-RU"/>
+          </a:p>
+        </p:txBody>
+      </p:sp>
+      <p:sp>
+        <p:nvSpPr>
+          <p:cNvPr id="12289" name="Rectangle 1"/>
+          <p:cNvSpPr>
+            <a:spLocks noChangeArrowheads="1"/>
+          </p:cNvSpPr>
+          <p:nvPr/>
+        </p:nvSpPr>
+        <p:spPr bwMode="auto">
+          <a:xfrm>
+            <a:off x="0" y="0"/>
+            <a:ext cx="9144000" cy="457200"/>
+          </a:xfrm>
+          <a:prstGeom prst="rect">
+            <a:avLst/>
+          </a:prstGeom>
+          <a:noFill/>
+          <a:ln w="9525">
+            <a:noFill/>
+            <a:miter lim="800000"/>
+            <a:headEnd/>
+            <a:tailEnd/>
+          </a:ln>
+          <a:effectLst/>
+        </p:spPr>
+        <p:txBody>
+          <a:bodyPr vert="horz" wrap="none" lIns="91440" tIns="45720" rIns="91440" bIns="45720" numCol="1" anchor="ctr" anchorCtr="0" compatLnSpc="1">
+            <a:prstTxWarp prst="textNoShape">
+              <a:avLst/>
+            </a:prstTxWarp>
+            <a:spAutoFit/>
+          </a:bodyPr>
+          <a:lstStyle/>
+          <a:p>
+            <a:pPr marL="0" marR="0" lvl="0" indent="0" algn="ctr" defTabSz="914400" rtl="0" eaLnBrk="1" fontAlgn="base" latinLnBrk="0" hangingPunct="1">
+              <a:lnSpc>
+                <a:spcPct val="100000"/>
+              </a:lnSpc>
+              <a:spcBef>
+                <a:spcPct val="0"/>
+              </a:spcBef>
+              <a:spcAft>
+                <a:spcPct val="0"/>
+              </a:spcAft>
+              <a:buClrTx/>
+              <a:buSzTx/>
+              <a:buFontTx/>
+              <a:buNone/>
+              <a:tabLst/>
+            </a:pPr>
+            <a:r>
+              <a:rPr kumimoji="0" lang="en-US" sz="1400" b="0" i="0" u="none" strike="noStrike" cap="none" normalizeH="0" baseline="0" smtClean="0">
+                <a:ln>
+                  <a:noFill/>
+                </a:ln>
+                <a:solidFill>
+                  <a:schemeClr val="tx1"/>
+                </a:solidFill>
+                <a:effectLst/>
+                <a:latin typeface="Calibri" pitchFamily="34" charset="0"/>
+                <a:ea typeface="Times New Roman" pitchFamily="18" charset="0"/>
+                <a:cs typeface="Times New Roman" pitchFamily="18" charset="0"/>
+              </a:rPr>
+              <a:t>Санкт-Петербург 201</a:t>
+            </a:r>
+            <a:r>
+              <a:rPr kumimoji="0" lang="ru-RU" sz="1400" b="0" i="0" u="none" strike="noStrike" cap="none" normalizeH="0" baseline="0" smtClean="0">
+                <a:ln>
+                  <a:noFill/>
+                </a:ln>
+                <a:solidFill>
+                  <a:schemeClr val="tx1"/>
+                </a:solidFill>
+                <a:effectLst/>
+                <a:latin typeface="Calibri" pitchFamily="34" charset="0"/>
+                <a:ea typeface="Times New Roman" pitchFamily="18" charset="0"/>
+                <a:cs typeface="Times New Roman" pitchFamily="18" charset="0"/>
+              </a:rPr>
+              <a:t>7</a:t>
+            </a:r>
+            <a:endParaRPr kumimoji="0" lang="ru-RU" sz="1800" b="0" i="0" u="none" strike="noStrike" cap="none" normalizeH="0" baseline="0" smtClean="0">
+              <a:ln>
+                <a:noFill/>
+              </a:ln>
+              <a:solidFill>
+                <a:schemeClr val="tx1"/>
+              </a:solidFill>
+              <a:effectLst/>
+              <a:latin typeface="Arial" pitchFamily="34" charset="0"/>
+              <a:cs typeface="Arial" pitchFamily="34" charset="0"/>
+            </a:endParaRPr>
+          </a:p>
+        </p:txBody>
+      </p:sp>
+      <p:graphicFrame>
+        <p:nvGraphicFramePr>
+          <p:cNvPr id="8" name="Таблица 7"/>
+          <p:cNvGraphicFramePr>
+            <a:graphicFrameLocks noGrp="1"/>
+          </p:cNvGraphicFramePr>
+          <p:nvPr/>
+        </p:nvGraphicFramePr>
+        <p:xfrm>
+          <a:off x="500034" y="2500306"/>
+          <a:ext cx="8143932" cy="2225040"/>
+        </p:xfrm>
+        <a:graphic>
+          <a:graphicData uri="http://schemas.openxmlformats.org/drawingml/2006/table">
+            <a:tbl>
+              <a:tblPr firstRow="1" bandRow="1">
+                <a:tableStyleId>{5C22544A-7EE6-4342-B048-85BDC9FD1C3A}</a:tableStyleId>
+              </a:tblPr>
+              <a:tblGrid>
+                <a:gridCol w="2714644"/>
+                <a:gridCol w="5429288"/>
+              </a:tblGrid>
+              <a:tr h="370840">
+                <a:tc>
+                  <a:txBody>
+                    <a:bodyPr/>
+                    <a:lstStyle/>
+                    <a:p>
+                      <a:pPr marL="450215" algn="ctr">
+                        <a:lnSpc>
+                          <a:spcPct val="150000"/>
+                        </a:lnSpc>
+                        <a:spcAft>
+                          <a:spcPts val="0"/>
+                        </a:spcAft>
+                      </a:pPr>
+                      <a:r>
+                        <a:rPr lang="ru-RU" sz="1400" b="1" dirty="0">
+                          <a:latin typeface="Calibri"/>
+                          <a:ea typeface="Times New Roman"/>
+                          <a:cs typeface="Times New Roman"/>
+                        </a:rPr>
+                        <a:t>Название</a:t>
+                      </a:r>
+                      <a:endParaRPr lang="ru-RU" sz="1400" dirty="0">
+                        <a:latin typeface="Calibri"/>
+                        <a:ea typeface="Times New Roman"/>
+                        <a:cs typeface="Times New Roman"/>
+                      </a:endParaRPr>
+                    </a:p>
+                  </a:txBody>
+                  <a:tcPr marL="0" marR="0" marT="0" marB="0"/>
+                </a:tc>
+                <a:tc>
+                  <a:txBody>
+                    <a:bodyPr/>
+                    <a:lstStyle/>
+                    <a:p>
+                      <a:pPr marL="450215" algn="ctr">
+                        <a:lnSpc>
+                          <a:spcPct val="150000"/>
+                        </a:lnSpc>
+                        <a:spcAft>
+                          <a:spcPts val="0"/>
+                        </a:spcAft>
+                      </a:pPr>
+                      <a:r>
+                        <a:rPr lang="ru-RU" sz="1400" b="1" dirty="0" smtClean="0">
+                          <a:latin typeface="Calibri"/>
+                          <a:ea typeface="Times New Roman"/>
+                          <a:cs typeface="Times New Roman"/>
+                        </a:rPr>
+                        <a:t>Комментарий</a:t>
+                      </a:r>
+                      <a:endParaRPr lang="ru-RU" sz="1400" dirty="0">
+                        <a:latin typeface="Calibri"/>
+                        <a:ea typeface="Times New Roman"/>
+                        <a:cs typeface="Times New Roman"/>
+                      </a:endParaRPr>
+                    </a:p>
+                  </a:txBody>
+                  <a:tcPr marL="0" marR="0" marT="0" marB="0"/>
+                </a:tc>
+              </a:tr>
+              <a:tr h="370840">
+                <a:tc>
+                  <a:txBody>
+                    <a:bodyPr/>
+                    <a:lstStyle/>
+                    <a:p>
+                      <a:pPr marL="450215" algn="l">
+                        <a:lnSpc>
+                          <a:spcPct val="150000"/>
+                        </a:lnSpc>
+                        <a:spcAft>
+                          <a:spcPts val="0"/>
+                        </a:spcAft>
+                      </a:pPr>
+                      <a:r>
+                        <a:rPr lang="en-US" sz="1400" dirty="0" smtClean="0">
+                          <a:latin typeface="Calibri"/>
+                          <a:ea typeface="Times New Roman"/>
+                          <a:cs typeface="Times New Roman"/>
+                        </a:rPr>
+                        <a:t>Received Signal Strength</a:t>
+                      </a:r>
+                    </a:p>
+                  </a:txBody>
+                  <a:tcPr marL="0" marR="0" marT="0" marB="0"/>
+                </a:tc>
+                <a:tc>
+                  <a:txBody>
+                    <a:bodyPr/>
+                    <a:lstStyle/>
+                    <a:p>
+                      <a:pPr marL="450215" algn="ctr">
+                        <a:lnSpc>
+                          <a:spcPct val="150000"/>
+                        </a:lnSpc>
+                        <a:spcAft>
+                          <a:spcPts val="0"/>
+                        </a:spcAft>
+                      </a:pPr>
+                      <a:r>
+                        <a:rPr lang="ru-RU" sz="1400" dirty="0" smtClean="0">
+                          <a:latin typeface="Calibri"/>
+                          <a:ea typeface="Times New Roman"/>
+                          <a:cs typeface="Times New Roman"/>
+                        </a:rPr>
+                        <a:t>Невысокая точность получаемого результата</a:t>
+                      </a:r>
+                      <a:endParaRPr lang="ru-RU" sz="1400" dirty="0">
+                        <a:latin typeface="Calibri"/>
+                        <a:ea typeface="Times New Roman"/>
+                        <a:cs typeface="Times New Roman"/>
+                      </a:endParaRPr>
+                    </a:p>
+                  </a:txBody>
+                  <a:tcPr marL="0" marR="0" marT="0" marB="0" anchor="ctr"/>
+                </a:tc>
+              </a:tr>
+              <a:tr h="370840">
+                <a:tc>
+                  <a:txBody>
+                    <a:bodyPr/>
+                    <a:lstStyle/>
+                    <a:p>
+                      <a:pPr marL="450215" algn="just">
+                        <a:lnSpc>
+                          <a:spcPct val="150000"/>
+                        </a:lnSpc>
+                        <a:spcAft>
+                          <a:spcPts val="0"/>
+                        </a:spcAft>
+                      </a:pPr>
+                      <a:r>
+                        <a:rPr lang="en-US" sz="1400" dirty="0" smtClean="0">
+                          <a:latin typeface="Calibri"/>
+                          <a:ea typeface="Times New Roman"/>
+                          <a:cs typeface="Times New Roman"/>
+                        </a:rPr>
+                        <a:t>Angle of Arrival</a:t>
+                      </a:r>
+                      <a:endParaRPr lang="ru-RU" sz="1400" dirty="0">
+                        <a:latin typeface="Calibri"/>
+                        <a:ea typeface="Times New Roman"/>
+                        <a:cs typeface="Times New Roman"/>
+                      </a:endParaRPr>
+                    </a:p>
+                  </a:txBody>
+                  <a:tcPr marL="0" marR="0" marT="0" marB="0"/>
+                </a:tc>
+                <a:tc>
+                  <a:txBody>
+                    <a:bodyPr/>
+                    <a:lstStyle/>
+                    <a:p>
+                      <a:pPr marL="450215" algn="ctr">
+                        <a:lnSpc>
+                          <a:spcPct val="150000"/>
+                        </a:lnSpc>
+                        <a:spcAft>
+                          <a:spcPts val="0"/>
+                        </a:spcAft>
+                      </a:pPr>
+                      <a:r>
+                        <a:rPr lang="ru-RU" sz="1400" dirty="0" smtClean="0">
+                          <a:latin typeface="Calibri"/>
+                          <a:ea typeface="Times New Roman"/>
+                          <a:cs typeface="Times New Roman"/>
+                        </a:rPr>
+                        <a:t>Требуются множество специфических антенн</a:t>
+                      </a:r>
+                      <a:endParaRPr lang="ru-RU" sz="1400" dirty="0">
+                        <a:latin typeface="Calibri"/>
+                        <a:ea typeface="Times New Roman"/>
+                        <a:cs typeface="Times New Roman"/>
+                      </a:endParaRPr>
+                    </a:p>
+                  </a:txBody>
+                  <a:tcPr marL="0" marR="0" marT="0" marB="0" anchor="ctr"/>
+                </a:tc>
+              </a:tr>
+              <a:tr h="370840">
+                <a:tc>
+                  <a:txBody>
+                    <a:bodyPr/>
+                    <a:lstStyle/>
+                    <a:p>
+                      <a:pPr marL="450215" algn="just">
+                        <a:lnSpc>
+                          <a:spcPct val="150000"/>
+                        </a:lnSpc>
+                        <a:spcAft>
+                          <a:spcPts val="0"/>
+                        </a:spcAft>
+                      </a:pPr>
+                      <a:r>
+                        <a:rPr lang="en-US" sz="1400" dirty="0" smtClean="0">
+                          <a:latin typeface="Calibri"/>
+                          <a:ea typeface="Times New Roman"/>
+                          <a:cs typeface="Times New Roman"/>
+                        </a:rPr>
+                        <a:t>Time of Flight</a:t>
+                      </a:r>
+                      <a:endParaRPr lang="ru-RU" sz="1400" dirty="0">
+                        <a:latin typeface="Calibri"/>
+                        <a:ea typeface="Times New Roman"/>
+                        <a:cs typeface="Times New Roman"/>
+                      </a:endParaRPr>
+                    </a:p>
+                  </a:txBody>
+                  <a:tcPr marL="0" marR="0" marT="0" marB="0"/>
+                </a:tc>
+                <a:tc>
+                  <a:txBody>
+                    <a:bodyPr/>
+                    <a:lstStyle/>
+                    <a:p>
+                      <a:pPr marL="450215" algn="ctr">
+                        <a:lnSpc>
+                          <a:spcPct val="150000"/>
+                        </a:lnSpc>
+                        <a:spcAft>
+                          <a:spcPts val="0"/>
+                        </a:spcAft>
+                      </a:pPr>
+                      <a:r>
+                        <a:rPr lang="ru-RU" sz="1400" dirty="0" smtClean="0">
+                          <a:latin typeface="Calibri"/>
+                          <a:ea typeface="Times New Roman"/>
+                          <a:cs typeface="Times New Roman"/>
+                        </a:rPr>
+                        <a:t>Требуется</a:t>
+                      </a:r>
+                      <a:r>
+                        <a:rPr lang="ru-RU" sz="1400" baseline="0" dirty="0" smtClean="0">
+                          <a:latin typeface="Calibri"/>
+                          <a:ea typeface="Times New Roman"/>
+                          <a:cs typeface="Times New Roman"/>
+                        </a:rPr>
+                        <a:t> линейно-частотная модуляция</a:t>
+                      </a:r>
+                      <a:endParaRPr lang="ru-RU" sz="1400" dirty="0">
+                        <a:latin typeface="Calibri"/>
+                        <a:ea typeface="Times New Roman"/>
+                        <a:cs typeface="Times New Roman"/>
+                      </a:endParaRPr>
+                    </a:p>
+                  </a:txBody>
+                  <a:tcPr marL="0" marR="0" marT="0" marB="0" anchor="ctr"/>
+                </a:tc>
+              </a:tr>
+              <a:tr h="370840">
+                <a:tc>
+                  <a:txBody>
+                    <a:bodyPr/>
+                    <a:lstStyle/>
+                    <a:p>
+                      <a:pPr marL="450215" algn="just">
+                        <a:lnSpc>
+                          <a:spcPct val="150000"/>
+                        </a:lnSpc>
+                        <a:spcAft>
+                          <a:spcPts val="0"/>
+                        </a:spcAft>
+                      </a:pPr>
+                      <a:r>
+                        <a:rPr lang="en-US" sz="1400" dirty="0" smtClean="0">
+                          <a:latin typeface="Calibri"/>
+                          <a:ea typeface="Times New Roman"/>
+                          <a:cs typeface="Times New Roman"/>
+                        </a:rPr>
+                        <a:t>Time of Arrival</a:t>
+                      </a:r>
+                      <a:endParaRPr lang="ru-RU" sz="1400" dirty="0">
+                        <a:latin typeface="Calibri"/>
+                        <a:ea typeface="Times New Roman"/>
+                        <a:cs typeface="Times New Roman"/>
+                      </a:endParaRPr>
+                    </a:p>
+                  </a:txBody>
+                  <a:tcPr marL="0" marR="0" marT="0" marB="0"/>
+                </a:tc>
+                <a:tc>
+                  <a:txBody>
+                    <a:bodyPr/>
+                    <a:lstStyle/>
+                    <a:p>
+                      <a:pPr marL="450215" algn="ctr">
+                        <a:lnSpc>
+                          <a:spcPct val="150000"/>
+                        </a:lnSpc>
+                        <a:spcAft>
+                          <a:spcPts val="0"/>
+                        </a:spcAft>
+                      </a:pPr>
+                      <a:r>
+                        <a:rPr lang="ru-RU" sz="1400" dirty="0" smtClean="0">
+                          <a:latin typeface="Calibri"/>
+                          <a:ea typeface="Times New Roman"/>
+                          <a:cs typeface="Times New Roman"/>
+                        </a:rPr>
+                        <a:t>Требуется</a:t>
+                      </a:r>
+                      <a:r>
+                        <a:rPr lang="ru-RU" sz="1400" baseline="0" dirty="0" smtClean="0">
+                          <a:latin typeface="Calibri"/>
+                          <a:ea typeface="Times New Roman"/>
+                          <a:cs typeface="Times New Roman"/>
+                        </a:rPr>
+                        <a:t> синхронизация времени</a:t>
+                      </a:r>
+                      <a:endParaRPr lang="ru-RU" sz="1400" dirty="0">
+                        <a:latin typeface="Calibri"/>
+                        <a:ea typeface="Times New Roman"/>
+                        <a:cs typeface="Times New Roman"/>
+                      </a:endParaRPr>
+                    </a:p>
+                  </a:txBody>
+                  <a:tcPr marL="0" marR="0" marT="0" marB="0" anchor="ctr"/>
+                </a:tc>
+              </a:tr>
+              <a:tr h="370840">
+                <a:tc>
+                  <a:txBody>
+                    <a:bodyPr/>
+                    <a:lstStyle/>
+                    <a:p>
+                      <a:pPr marL="450215" algn="just">
+                        <a:lnSpc>
+                          <a:spcPct val="150000"/>
+                        </a:lnSpc>
+                        <a:spcAft>
+                          <a:spcPts val="0"/>
+                        </a:spcAft>
+                      </a:pPr>
+                      <a:r>
+                        <a:rPr lang="en-US" sz="1400" dirty="0" smtClean="0">
+                          <a:latin typeface="Calibri"/>
+                          <a:ea typeface="Times New Roman"/>
+                          <a:cs typeface="Times New Roman"/>
+                        </a:rPr>
+                        <a:t>Time Difference of Arrival</a:t>
+                      </a:r>
+                      <a:endParaRPr lang="ru-RU" sz="1400" dirty="0">
+                        <a:latin typeface="Calibri"/>
+                        <a:ea typeface="Times New Roman"/>
+                        <a:cs typeface="Times New Roman"/>
+                      </a:endParaRPr>
+                    </a:p>
+                  </a:txBody>
+                  <a:tcPr marL="0" marR="0" marT="0" marB="0"/>
+                </a:tc>
+                <a:tc>
+                  <a:txBody>
+                    <a:bodyPr/>
+                    <a:lstStyle/>
+                    <a:p>
+                      <a:pPr marL="450215" algn="ctr">
+                        <a:lnSpc>
+                          <a:spcPct val="150000"/>
+                        </a:lnSpc>
+                        <a:spcAft>
+                          <a:spcPts val="0"/>
+                        </a:spcAft>
+                      </a:pPr>
+                      <a:r>
+                        <a:rPr lang="ru-RU" sz="1400" dirty="0" smtClean="0">
+                          <a:latin typeface="Calibri"/>
+                          <a:ea typeface="Times New Roman"/>
+                          <a:cs typeface="Times New Roman"/>
+                        </a:rPr>
+                        <a:t>Требуется</a:t>
+                      </a:r>
+                      <a:r>
+                        <a:rPr lang="ru-RU" sz="1400" baseline="0" dirty="0" smtClean="0">
+                          <a:latin typeface="Calibri"/>
+                          <a:ea typeface="Times New Roman"/>
+                          <a:cs typeface="Times New Roman"/>
+                        </a:rPr>
+                        <a:t> синхронизация времени</a:t>
+                      </a:r>
+                      <a:endParaRPr lang="ru-RU" sz="1400" dirty="0">
+                        <a:latin typeface="Calibri"/>
+                        <a:ea typeface="Times New Roman"/>
+                        <a:cs typeface="Times New Roman"/>
+                      </a:endParaRPr>
+                    </a:p>
+                  </a:txBody>
+                  <a:tcPr marL="0" marR="0" marT="0" marB="0" anchor="ctr"/>
+                </a:tc>
+              </a:tr>
+            </a:tbl>
+          </a:graphicData>
+        </a:graphic>
+      </p:graphicFrame>
+    </p:spTree>
+  </p:cSld>
+  <p:clrMapOvr>
+    <a:masterClrMapping/>
+  </p:clrMapOvr>
+  <p:timing>
+    <p:tnLst>
+      <p:par>
+        <p:cTn id="1" dur="indefinite" restart="never" nodeType="tmRoot"/>
+      </p:par>
+    </p:tnLst>
+  </p:timing>
+</p:sld>
+</file>
+
 <file path=ppt/slides/slide6.xml><?xml version="1.0" encoding="utf-8"?>
 <p:sld xmlns:a="http://schemas.openxmlformats.org/drawingml/2006/main" xmlns:r="http://schemas.openxmlformats.org/officeDocument/2006/relationships" xmlns:p="http://schemas.openxmlformats.org/presentationml/2006/main">
   <p:cSld>
@@ -8287,10 +10287,10 @@
           <a:lstStyle/>
           <a:p>
             <a:r>
-              <a:rPr lang="ru-RU" smtClean="0"/>
+              <a:rPr lang="ru-RU" dirty="0" smtClean="0"/>
               <a:t>Санкт-Петербург 2017</a:t>
             </a:r>
-            <a:endParaRPr lang="ru-RU"/>
+            <a:endParaRPr lang="ru-RU" dirty="0"/>
           </a:p>
         </p:txBody>
       </p:sp>
@@ -8409,14 +10409,75 @@
       </p:sp>
       <p:pic>
         <p:nvPicPr>
-          <p:cNvPr id="11267" name="Picture 3"/>
+          <p:cNvPr id="12" name="Рисунок 11" descr="Room.png"/>
+          <p:cNvPicPr/>
+          <p:nvPr/>
+        </p:nvPicPr>
+        <p:blipFill>
+          <a:blip r:embed="rId4"/>
+          <a:srcRect l="7074" t="6024" r="7276" b="6988"/>
+          <a:stretch>
+            <a:fillRect/>
+          </a:stretch>
+        </p:blipFill>
+        <p:spPr>
+          <a:xfrm>
+            <a:off x="5500694" y="2643182"/>
+            <a:ext cx="3228975" cy="3438525"/>
+          </a:xfrm>
+          <a:prstGeom prst="rect">
+            <a:avLst/>
+          </a:prstGeom>
+        </p:spPr>
+      </p:pic>
+      <p:sp>
+        <p:nvSpPr>
+          <p:cNvPr id="10242" name="Rectangle 2"/>
+          <p:cNvSpPr>
+            <a:spLocks noChangeArrowheads="1"/>
+          </p:cNvSpPr>
+          <p:nvPr/>
+        </p:nvSpPr>
+        <p:spPr bwMode="auto">
+          <a:xfrm>
+            <a:off x="0" y="0"/>
+            <a:ext cx="9144000" cy="0"/>
+          </a:xfrm>
+          <a:prstGeom prst="rect">
+            <a:avLst/>
+          </a:prstGeom>
+          <a:noFill/>
+          <a:ln w="9525">
+            <a:noFill/>
+            <a:miter lim="800000"/>
+            <a:headEnd/>
+            <a:tailEnd/>
+          </a:ln>
+          <a:effectLst/>
+        </p:spPr>
+        <p:txBody>
+          <a:bodyPr vert="horz" wrap="none" lIns="91440" tIns="45720" rIns="91440" bIns="45720" numCol="1" anchor="ctr" anchorCtr="0" compatLnSpc="1">
+            <a:prstTxWarp prst="textNoShape">
+              <a:avLst/>
+            </a:prstTxWarp>
+            <a:spAutoFit/>
+          </a:bodyPr>
+          <a:lstStyle/>
+          <a:p>
+            <a:endParaRPr lang="ru-RU"/>
+          </a:p>
+        </p:txBody>
+      </p:sp>
+      <p:pic>
+        <p:nvPicPr>
+          <p:cNvPr id="10241" name="Picture 1"/>
           <p:cNvPicPr>
             <a:picLocks noChangeAspect="1" noChangeArrowheads="1"/>
           </p:cNvPicPr>
           <p:nvPr/>
         </p:nvPicPr>
         <p:blipFill>
-          <a:blip r:embed="rId4">
+          <a:blip r:embed="rId5">
             <a:clrChange>
               <a:clrFrom>
                 <a:srgbClr val="FFFFFF"/>
@@ -8435,8 +10496,8 @@
         </p:blipFill>
         <p:spPr bwMode="auto">
           <a:xfrm>
-            <a:off x="928662" y="3643314"/>
-            <a:ext cx="6153150" cy="1943100"/>
+            <a:off x="928662" y="3571876"/>
+            <a:ext cx="3219450" cy="314325"/>
           </a:xfrm>
           <a:prstGeom prst="rect">
             <a:avLst/>
@@ -8444,26 +10505,229 @@
           <a:noFill/>
         </p:spPr>
       </p:pic>
+      <p:sp>
+        <p:nvSpPr>
+          <p:cNvPr id="10244" name="Rectangle 4"/>
+          <p:cNvSpPr>
+            <a:spLocks noChangeArrowheads="1"/>
+          </p:cNvSpPr>
+          <p:nvPr/>
+        </p:nvSpPr>
+        <p:spPr bwMode="auto">
+          <a:xfrm>
+            <a:off x="0" y="0"/>
+            <a:ext cx="9144000" cy="0"/>
+          </a:xfrm>
+          <a:prstGeom prst="rect">
+            <a:avLst/>
+          </a:prstGeom>
+          <a:noFill/>
+          <a:ln w="9525">
+            <a:noFill/>
+            <a:miter lim="800000"/>
+            <a:headEnd/>
+            <a:tailEnd/>
+          </a:ln>
+          <a:effectLst/>
+        </p:spPr>
+        <p:txBody>
+          <a:bodyPr vert="horz" wrap="none" lIns="91440" tIns="45720" rIns="91440" bIns="45720" numCol="1" anchor="ctr" anchorCtr="0" compatLnSpc="1">
+            <a:prstTxWarp prst="textNoShape">
+              <a:avLst/>
+            </a:prstTxWarp>
+            <a:spAutoFit/>
+          </a:bodyPr>
+          <a:lstStyle/>
+          <a:p>
+            <a:endParaRPr lang="ru-RU"/>
+          </a:p>
+        </p:txBody>
+      </p:sp>
       <p:pic>
         <p:nvPicPr>
-          <p:cNvPr id="11" name="Рисунок 10" descr="Trilatteration.png"/>
-          <p:cNvPicPr/>
+          <p:cNvPr id="10243" name="Picture 3"/>
+          <p:cNvPicPr>
+            <a:picLocks noChangeAspect="1" noChangeArrowheads="1"/>
+          </p:cNvPicPr>
           <p:nvPr/>
         </p:nvPicPr>
         <p:blipFill>
-          <a:blip r:embed="rId5"/>
+          <a:blip r:embed="rId6">
+            <a:clrChange>
+              <a:clrFrom>
+                <a:srgbClr val="FFFFFF"/>
+              </a:clrFrom>
+              <a:clrTo>
+                <a:srgbClr val="FFFFFF">
+                  <a:alpha val="0"/>
+                </a:srgbClr>
+              </a:clrTo>
+            </a:clrChange>
+          </a:blip>
+          <a:srcRect/>
           <a:stretch>
             <a:fillRect/>
           </a:stretch>
         </p:blipFill>
-        <p:spPr>
+        <p:spPr bwMode="auto">
           <a:xfrm>
-            <a:off x="6000760" y="2675428"/>
-            <a:ext cx="2071702" cy="3611092"/>
+            <a:off x="985833" y="3929069"/>
+            <a:ext cx="2943225" cy="428625"/>
           </a:xfrm>
           <a:prstGeom prst="rect">
             <a:avLst/>
           </a:prstGeom>
+          <a:noFill/>
+        </p:spPr>
+      </p:pic>
+      <p:sp>
+        <p:nvSpPr>
+          <p:cNvPr id="10246" name="Rectangle 6"/>
+          <p:cNvSpPr>
+            <a:spLocks noChangeArrowheads="1"/>
+          </p:cNvSpPr>
+          <p:nvPr/>
+        </p:nvSpPr>
+        <p:spPr bwMode="auto">
+          <a:xfrm>
+            <a:off x="0" y="0"/>
+            <a:ext cx="9144000" cy="0"/>
+          </a:xfrm>
+          <a:prstGeom prst="rect">
+            <a:avLst/>
+          </a:prstGeom>
+          <a:noFill/>
+          <a:ln w="9525">
+            <a:noFill/>
+            <a:miter lim="800000"/>
+            <a:headEnd/>
+            <a:tailEnd/>
+          </a:ln>
+          <a:effectLst/>
+        </p:spPr>
+        <p:txBody>
+          <a:bodyPr vert="horz" wrap="none" lIns="91440" tIns="45720" rIns="91440" bIns="45720" numCol="1" anchor="ctr" anchorCtr="0" compatLnSpc="1">
+            <a:prstTxWarp prst="textNoShape">
+              <a:avLst/>
+            </a:prstTxWarp>
+            <a:spAutoFit/>
+          </a:bodyPr>
+          <a:lstStyle/>
+          <a:p>
+            <a:endParaRPr lang="ru-RU"/>
+          </a:p>
+        </p:txBody>
+      </p:sp>
+      <p:pic>
+        <p:nvPicPr>
+          <p:cNvPr id="10245" name="Picture 5"/>
+          <p:cNvPicPr>
+            <a:picLocks noChangeAspect="1" noChangeArrowheads="1"/>
+          </p:cNvPicPr>
+          <p:nvPr/>
+        </p:nvPicPr>
+        <p:blipFill>
+          <a:blip r:embed="rId7">
+            <a:clrChange>
+              <a:clrFrom>
+                <a:srgbClr val="FFFFFF"/>
+              </a:clrFrom>
+              <a:clrTo>
+                <a:srgbClr val="FFFFFF">
+                  <a:alpha val="0"/>
+                </a:srgbClr>
+              </a:clrTo>
+            </a:clrChange>
+          </a:blip>
+          <a:srcRect/>
+          <a:stretch>
+            <a:fillRect/>
+          </a:stretch>
+        </p:blipFill>
+        <p:spPr bwMode="auto">
+          <a:xfrm>
+            <a:off x="1000100" y="4429132"/>
+            <a:ext cx="4219575" cy="685800"/>
+          </a:xfrm>
+          <a:prstGeom prst="rect">
+            <a:avLst/>
+          </a:prstGeom>
+          <a:noFill/>
+        </p:spPr>
+      </p:pic>
+      <p:sp>
+        <p:nvSpPr>
+          <p:cNvPr id="10248" name="Rectangle 8"/>
+          <p:cNvSpPr>
+            <a:spLocks noChangeArrowheads="1"/>
+          </p:cNvSpPr>
+          <p:nvPr/>
+        </p:nvSpPr>
+        <p:spPr bwMode="auto">
+          <a:xfrm>
+            <a:off x="0" y="0"/>
+            <a:ext cx="9144000" cy="0"/>
+          </a:xfrm>
+          <a:prstGeom prst="rect">
+            <a:avLst/>
+          </a:prstGeom>
+          <a:noFill/>
+          <a:ln w="9525">
+            <a:noFill/>
+            <a:miter lim="800000"/>
+            <a:headEnd/>
+            <a:tailEnd/>
+          </a:ln>
+          <a:effectLst/>
+        </p:spPr>
+        <p:txBody>
+          <a:bodyPr vert="horz" wrap="none" lIns="91440" tIns="45720" rIns="91440" bIns="45720" numCol="1" anchor="ctr" anchorCtr="0" compatLnSpc="1">
+            <a:prstTxWarp prst="textNoShape">
+              <a:avLst/>
+            </a:prstTxWarp>
+            <a:spAutoFit/>
+          </a:bodyPr>
+          <a:lstStyle/>
+          <a:p>
+            <a:endParaRPr lang="ru-RU"/>
+          </a:p>
+        </p:txBody>
+      </p:sp>
+      <p:pic>
+        <p:nvPicPr>
+          <p:cNvPr id="10247" name="Picture 7"/>
+          <p:cNvPicPr>
+            <a:picLocks noChangeAspect="1" noChangeArrowheads="1"/>
+          </p:cNvPicPr>
+          <p:nvPr/>
+        </p:nvPicPr>
+        <p:blipFill>
+          <a:blip r:embed="rId8">
+            <a:clrChange>
+              <a:clrFrom>
+                <a:srgbClr val="FFFFFF"/>
+              </a:clrFrom>
+              <a:clrTo>
+                <a:srgbClr val="FFFFFF">
+                  <a:alpha val="0"/>
+                </a:srgbClr>
+              </a:clrTo>
+            </a:clrChange>
+          </a:blip>
+          <a:srcRect/>
+          <a:stretch>
+            <a:fillRect/>
+          </a:stretch>
+        </p:blipFill>
+        <p:spPr bwMode="auto">
+          <a:xfrm>
+            <a:off x="1000100" y="5072074"/>
+            <a:ext cx="4171950" cy="685800"/>
+          </a:xfrm>
+          <a:prstGeom prst="rect">
+            <a:avLst/>
+          </a:prstGeom>
+          <a:noFill/>
         </p:spPr>
       </p:pic>
     </p:spTree>
@@ -8533,7 +10797,7 @@
           <a:p>
             <a:r>
               <a:rPr lang="ru-RU" dirty="0" smtClean="0"/>
-              <a:t>Графики полученных данных на практике</a:t>
+              <a:t>Результаты (1 вар.)</a:t>
             </a:r>
             <a:endParaRPr lang="ru-RU" dirty="0"/>
           </a:p>
@@ -8679,12 +10943,45 @@
         </p:nvSpPr>
         <p:spPr/>
         <p:txBody>
+          <a:bodyPr>
+            <a:normAutofit fontScale="90000"/>
+          </a:bodyPr>
+          <a:lstStyle/>
+          <a:p>
+            <a:r>
+              <a:rPr lang="ru-RU" dirty="0" smtClean="0"/>
+              <a:t>Внутреннее позиционирование</a:t>
+            </a:r>
+            <a:endParaRPr lang="ru-RU" dirty="0"/>
+          </a:p>
+        </p:txBody>
+      </p:sp>
+      <p:sp>
+        <p:nvSpPr>
+          <p:cNvPr id="3" name="Содержимое 2"/>
+          <p:cNvSpPr>
+            <a:spLocks noGrp="1"/>
+          </p:cNvSpPr>
+          <p:nvPr>
+            <p:ph idx="1"/>
+          </p:nvPr>
+        </p:nvSpPr>
+        <p:spPr/>
+        <p:txBody>
           <a:bodyPr/>
           <a:lstStyle/>
           <a:p>
             <a:r>
               <a:rPr lang="ru-RU" dirty="0" smtClean="0"/>
-              <a:t>Заключение</a:t>
+              <a:t>Результаты (1 вар. </a:t>
+            </a:r>
+            <a:r>
+              <a:rPr lang="ru-RU" dirty="0" err="1" smtClean="0"/>
+              <a:t>Калман</a:t>
+            </a:r>
+            <a:r>
+              <a:rPr lang="ru-RU" dirty="0" smtClean="0"/>
+              <a:t>)</a:t>
             </a:r>
             <a:endParaRPr lang="ru-RU" dirty="0"/>
           </a:p>
@@ -8692,102 +10989,7 @@
       </p:sp>
       <p:sp>
         <p:nvSpPr>
-          <p:cNvPr id="3" name="Содержимое 2"/>
-          <p:cNvSpPr>
-            <a:spLocks noGrp="1"/>
-          </p:cNvSpPr>
-          <p:nvPr>
-            <p:ph idx="1"/>
-          </p:nvPr>
-        </p:nvSpPr>
-        <p:spPr/>
-        <p:txBody>
-          <a:bodyPr/>
-          <a:lstStyle/>
-          <a:p>
-            <a:r>
-              <a:rPr lang="ru-RU" dirty="0" smtClean="0"/>
-              <a:t>Что может быть применено для улучшения?</a:t>
-            </a:r>
-          </a:p>
-          <a:p>
-            <a:pPr lvl="1"/>
-            <a:r>
-              <a:rPr lang="ru-RU" dirty="0" smtClean="0"/>
-              <a:t>Количество точек доступа</a:t>
-            </a:r>
-          </a:p>
-          <a:p>
-            <a:pPr lvl="1"/>
-            <a:r>
-              <a:rPr lang="ru-RU" dirty="0" smtClean="0"/>
-              <a:t>Фильтр </a:t>
-            </a:r>
-            <a:r>
-              <a:rPr lang="ru-RU" dirty="0" err="1" smtClean="0"/>
-              <a:t>Калмана</a:t>
-            </a:r>
-            <a:endParaRPr lang="ru-RU" dirty="0" smtClean="0"/>
-          </a:p>
-          <a:p>
-            <a:pPr lvl="1"/>
-            <a:r>
-              <a:rPr lang="ru-RU" dirty="0" smtClean="0"/>
-              <a:t>Использование данных со сторонних точек доступа</a:t>
-            </a:r>
-            <a:endParaRPr lang="ru-RU" dirty="0"/>
-          </a:p>
-        </p:txBody>
-      </p:sp>
-      <p:sp>
-        <p:nvSpPr>
-          <p:cNvPr id="4" name="Дата 3"/>
-          <p:cNvSpPr>
-            <a:spLocks noGrp="1"/>
-          </p:cNvSpPr>
-          <p:nvPr>
-            <p:ph type="dt" sz="half" idx="10"/>
-          </p:nvPr>
-        </p:nvSpPr>
-        <p:spPr/>
-        <p:txBody>
-          <a:bodyPr/>
-          <a:lstStyle/>
-          <a:p>
-            <a:r>
-              <a:rPr lang="ru-RU" smtClean="0"/>
-              <a:t>23.05.2017</a:t>
-            </a:r>
-            <a:endParaRPr lang="ru-RU"/>
-          </a:p>
-        </p:txBody>
-      </p:sp>
-      <p:sp>
-        <p:nvSpPr>
-          <p:cNvPr id="5" name="Нижний колонтитул 4"/>
-          <p:cNvSpPr>
-            <a:spLocks noGrp="1"/>
-          </p:cNvSpPr>
-          <p:nvPr>
-            <p:ph type="ftr" sz="quarter" idx="11"/>
-          </p:nvPr>
-        </p:nvSpPr>
-        <p:spPr/>
-        <p:txBody>
-          <a:bodyPr/>
-          <a:lstStyle/>
-          <a:p>
-            <a:r>
-              <a:rPr lang="ru-RU" smtClean="0"/>
-              <a:t>Санкт-Петербург 2017</a:t>
-            </a:r>
-            <a:endParaRPr lang="ru-RU"/>
-          </a:p>
-        </p:txBody>
-      </p:sp>
-      <p:sp>
-        <p:nvSpPr>
-          <p:cNvPr id="6" name="Номер слайда 5"/>
+          <p:cNvPr id="4" name="Номер слайда 3"/>
           <p:cNvSpPr>
             <a:spLocks noGrp="1"/>
           </p:cNvSpPr>
@@ -8809,6 +11011,85 @@
           </a:p>
         </p:txBody>
       </p:sp>
+      <p:sp>
+        <p:nvSpPr>
+          <p:cNvPr id="5" name="Дата 4"/>
+          <p:cNvSpPr>
+            <a:spLocks noGrp="1"/>
+          </p:cNvSpPr>
+          <p:nvPr>
+            <p:ph type="dt" sz="half" idx="10"/>
+          </p:nvPr>
+        </p:nvSpPr>
+        <p:spPr/>
+        <p:txBody>
+          <a:bodyPr/>
+          <a:lstStyle/>
+          <a:p>
+            <a:r>
+              <a:rPr lang="ru-RU" smtClean="0"/>
+              <a:t>23.05.2017</a:t>
+            </a:r>
+            <a:endParaRPr lang="ru-RU"/>
+          </a:p>
+        </p:txBody>
+      </p:sp>
+      <p:sp>
+        <p:nvSpPr>
+          <p:cNvPr id="6" name="Нижний колонтитул 5"/>
+          <p:cNvSpPr>
+            <a:spLocks noGrp="1"/>
+          </p:cNvSpPr>
+          <p:nvPr>
+            <p:ph type="ftr" sz="quarter" idx="11"/>
+          </p:nvPr>
+        </p:nvSpPr>
+        <p:spPr/>
+        <p:txBody>
+          <a:bodyPr/>
+          <a:lstStyle/>
+          <a:p>
+            <a:r>
+              <a:rPr lang="ru-RU" smtClean="0"/>
+              <a:t>Санкт-Петербург 2017</a:t>
+            </a:r>
+            <a:endParaRPr lang="ru-RU"/>
+          </a:p>
+        </p:txBody>
+      </p:sp>
+      <p:pic>
+        <p:nvPicPr>
+          <p:cNvPr id="3074" name="Picture 2"/>
+          <p:cNvPicPr>
+            <a:picLocks noChangeAspect="1" noChangeArrowheads="1"/>
+          </p:cNvPicPr>
+          <p:nvPr/>
+        </p:nvPicPr>
+        <p:blipFill>
+          <a:blip r:embed="rId3"/>
+          <a:srcRect/>
+          <a:stretch>
+            <a:fillRect/>
+          </a:stretch>
+        </p:blipFill>
+        <p:spPr bwMode="auto">
+          <a:xfrm>
+            <a:off x="357158" y="3071810"/>
+            <a:ext cx="8143932" cy="3041006"/>
+          </a:xfrm>
+          <a:prstGeom prst="rect">
+            <a:avLst/>
+          </a:prstGeom>
+          <a:noFill/>
+          <a:ln w="9525">
+            <a:noFill/>
+            <a:miter lim="800000"/>
+            <a:headEnd/>
+            <a:tailEnd/>
+          </a:ln>
+          <a:effectLst/>
+        </p:spPr>
+      </p:pic>
     </p:spTree>
   </p:cSld>
   <p:clrMapOvr>
@@ -8846,68 +11127,37 @@
         </p:nvSpPr>
         <p:spPr/>
         <p:txBody>
+          <a:bodyPr>
+            <a:normAutofit fontScale="90000"/>
+          </a:bodyPr>
+          <a:lstStyle/>
+          <a:p>
+            <a:r>
+              <a:rPr lang="ru-RU" dirty="0" smtClean="0"/>
+              <a:t>Внутреннее позиционирование</a:t>
+            </a:r>
+            <a:endParaRPr lang="ru-RU" dirty="0"/>
+          </a:p>
+        </p:txBody>
+      </p:sp>
+      <p:sp>
+        <p:nvSpPr>
+          <p:cNvPr id="3" name="Содержимое 2"/>
+          <p:cNvSpPr>
+            <a:spLocks noGrp="1"/>
+          </p:cNvSpPr>
+          <p:nvPr>
+            <p:ph idx="1"/>
+          </p:nvPr>
+        </p:nvSpPr>
+        <p:spPr/>
+        <p:txBody>
           <a:bodyPr/>
           <a:lstStyle/>
           <a:p>
             <a:r>
               <a:rPr lang="ru-RU" dirty="0" smtClean="0"/>
-              <a:t>Заключение</a:t>
-            </a:r>
-            <a:endParaRPr lang="ru-RU" dirty="0"/>
-          </a:p>
-        </p:txBody>
-      </p:sp>
-      <p:sp>
-        <p:nvSpPr>
-          <p:cNvPr id="3" name="Содержимое 2"/>
-          <p:cNvSpPr>
-            <a:spLocks noGrp="1"/>
-          </p:cNvSpPr>
-          <p:nvPr>
-            <p:ph idx="1"/>
-          </p:nvPr>
-        </p:nvSpPr>
-        <p:spPr/>
-        <p:txBody>
-          <a:bodyPr>
-            <a:normAutofit/>
-          </a:bodyPr>
-          <a:lstStyle/>
-          <a:p>
-            <a:r>
-              <a:rPr lang="ru-RU" dirty="0" smtClean="0"/>
-              <a:t>Для чего это нужно?</a:t>
-            </a:r>
-          </a:p>
-          <a:p>
-            <a:r>
-              <a:rPr lang="ru-RU" dirty="0" smtClean="0"/>
-              <a:t>Для чего это может понадобиться?</a:t>
-            </a:r>
-          </a:p>
-          <a:p>
-            <a:endParaRPr lang="ru-RU" dirty="0" smtClean="0"/>
-          </a:p>
-          <a:p>
-            <a:r>
-              <a:rPr lang="ru-RU" dirty="0" smtClean="0"/>
-              <a:t>Грант № 17-04-12034, </a:t>
-            </a:r>
-            <a:r>
-              <a:rPr lang="ru-RU" dirty="0" err="1" smtClean="0"/>
-              <a:t>Мультимедийная</a:t>
-            </a:r>
-            <a:r>
-              <a:rPr lang="ru-RU" dirty="0" smtClean="0"/>
-              <a:t> информационная система «Архитектурно-художественный комплекс </a:t>
-            </a:r>
-            <a:r>
-              <a:rPr lang="ru-RU" dirty="0" err="1" smtClean="0"/>
-              <a:t>Феодоровский</a:t>
-            </a:r>
-            <a:r>
-              <a:rPr lang="ru-RU" dirty="0" smtClean="0"/>
-              <a:t> городок в Царском селе как пример Русского стиля» </a:t>
+              <a:t>Результаты (2 вар.)</a:t>
             </a:r>
             <a:endParaRPr lang="ru-RU" dirty="0"/>
           </a:p>
@@ -8983,6 +11233,39 @@
           </a:p>
         </p:txBody>
       </p:sp>
+      <p:pic>
+        <p:nvPicPr>
+          <p:cNvPr id="3074" name="Picture 2"/>
+          <p:cNvPicPr>
+            <a:picLocks noChangeAspect="1" noChangeArrowheads="1"/>
+          </p:cNvPicPr>
+          <p:nvPr/>
+        </p:nvPicPr>
+        <p:blipFill>
+          <a:blip r:embed="rId3"/>
+          <a:srcRect/>
+          <a:stretch>
+            <a:fillRect/>
+          </a:stretch>
+        </p:blipFill>
+        <p:spPr bwMode="auto">
+          <a:xfrm>
+            <a:off x="357158" y="3071810"/>
+            <a:ext cx="8143932" cy="3041006"/>
+          </a:xfrm>
+          <a:prstGeom prst="rect">
+            <a:avLst/>
+          </a:prstGeom>
+          <a:noFill/>
+          <a:ln w="9525">
+            <a:noFill/>
+            <a:miter lim="800000"/>
+            <a:headEnd/>
+            <a:tailEnd/>
+          </a:ln>
+          <a:effectLst/>
+        </p:spPr>
+      </p:pic>
     </p:spTree>
   </p:cSld>
   <p:clrMapOvr>
